--- a/reqtbox/reqtbox.pptx
+++ b/reqtbox/reqtbox.pptx
@@ -3,14 +3,16 @@
 <p:presentation xmlns:a="http://schemas.openxmlformats.org/drawingml/2006/main" xmlns:r="http://schemas.openxmlformats.org/officeDocument/2006/relationships" xmlns:p="http://schemas.openxmlformats.org/presentationml/2006/main" saveSubsetFonts="1">
   <p:sldMasterIdLst>
     <p:sldMasterId id="2147483660" r:id="rId1"/>
+    <p:sldMasterId id="2147483672" r:id="rId2"/>
   </p:sldMasterIdLst>
   <p:sldIdLst>
-    <p:sldId id="257" r:id="rId2"/>
-    <p:sldId id="258" r:id="rId3"/>
-    <p:sldId id="259" r:id="rId4"/>
-    <p:sldId id="260" r:id="rId5"/>
-    <p:sldId id="261" r:id="rId6"/>
-    <p:sldId id="262" r:id="rId7"/>
+    <p:sldId id="257" r:id="rId3"/>
+    <p:sldId id="258" r:id="rId4"/>
+    <p:sldId id="259" r:id="rId5"/>
+    <p:sldId id="260" r:id="rId6"/>
+    <p:sldId id="261" r:id="rId7"/>
+    <p:sldId id="262" r:id="rId8"/>
+    <p:sldId id="263" r:id="rId9"/>
   </p:sldIdLst>
   <p:sldSz cx="9144000" cy="6858000" type="screen4x3"/>
   <p:notesSz cx="6858000" cy="9144000"/>
@@ -248,7 +250,7 @@
           <a:p>
             <a:fld id="{CF8382E4-AA04-4ED8-BE49-96B2FDA13A17}" type="datetimeFigureOut">
               <a:rPr lang="sv-SE" smtClean="0"/>
-              <a:t>2017-10-28</a:t>
+              <a:t>2017-10-29</a:t>
             </a:fld>
             <a:endParaRPr lang="sv-SE"/>
           </a:p>
@@ -418,7 +420,7 @@
           <a:p>
             <a:fld id="{CF8382E4-AA04-4ED8-BE49-96B2FDA13A17}" type="datetimeFigureOut">
               <a:rPr lang="sv-SE" smtClean="0"/>
-              <a:t>2017-10-28</a:t>
+              <a:t>2017-10-29</a:t>
             </a:fld>
             <a:endParaRPr lang="sv-SE"/>
           </a:p>
@@ -598,7 +600,7 @@
           <a:p>
             <a:fld id="{CF8382E4-AA04-4ED8-BE49-96B2FDA13A17}" type="datetimeFigureOut">
               <a:rPr lang="sv-SE" smtClean="0"/>
-              <a:t>2017-10-28</a:t>
+              <a:t>2017-10-29</a:t>
             </a:fld>
             <a:endParaRPr lang="sv-SE"/>
           </a:p>
@@ -650,6 +652,2120 @@
     <p:extLst>
       <p:ext uri="{BB962C8B-B14F-4D97-AF65-F5344CB8AC3E}">
         <p14:creationId xmlns:p14="http://schemas.microsoft.com/office/powerpoint/2010/main" val="1337178494"/>
+      </p:ext>
+    </p:extLst>
+  </p:cSld>
+  <p:clrMapOvr>
+    <a:masterClrMapping/>
+  </p:clrMapOvr>
+</p:sldLayout>
+</file>
+
+<file path=ppt/slideLayouts/slideLayout12.xml><?xml version="1.0" encoding="utf-8"?>
+<p:sldLayout xmlns:a="http://schemas.openxmlformats.org/drawingml/2006/main" xmlns:r="http://schemas.openxmlformats.org/officeDocument/2006/relationships" xmlns:p="http://schemas.openxmlformats.org/presentationml/2006/main" type="title" preserve="1">
+  <p:cSld name="Title Slide">
+    <p:spTree>
+      <p:nvGrpSpPr>
+        <p:cNvPr id="1" name=""/>
+        <p:cNvGrpSpPr/>
+        <p:nvPr/>
+      </p:nvGrpSpPr>
+      <p:grpSpPr>
+        <a:xfrm>
+          <a:off x="0" y="0"/>
+          <a:ext cx="0" cy="0"/>
+          <a:chOff x="0" y="0"/>
+          <a:chExt cx="0" cy="0"/>
+        </a:xfrm>
+      </p:grpSpPr>
+      <p:sp>
+        <p:nvSpPr>
+          <p:cNvPr id="2" name="Title 1"/>
+          <p:cNvSpPr>
+            <a:spLocks noGrp="1"/>
+          </p:cNvSpPr>
+          <p:nvPr>
+            <p:ph type="ctrTitle"/>
+          </p:nvPr>
+        </p:nvSpPr>
+        <p:spPr>
+          <a:xfrm>
+            <a:off x="685800" y="2130425"/>
+            <a:ext cx="7772400" cy="1470025"/>
+          </a:xfrm>
+        </p:spPr>
+        <p:txBody>
+          <a:bodyPr/>
+          <a:lstStyle/>
+          <a:p>
+            <a:r>
+              <a:rPr lang="en-US" smtClean="0"/>
+              <a:t>Click to edit Master title style</a:t>
+            </a:r>
+            <a:endParaRPr lang="en-US"/>
+          </a:p>
+        </p:txBody>
+      </p:sp>
+      <p:sp>
+        <p:nvSpPr>
+          <p:cNvPr id="3" name="Subtitle 2"/>
+          <p:cNvSpPr>
+            <a:spLocks noGrp="1"/>
+          </p:cNvSpPr>
+          <p:nvPr>
+            <p:ph type="subTitle" idx="1"/>
+          </p:nvPr>
+        </p:nvSpPr>
+        <p:spPr>
+          <a:xfrm>
+            <a:off x="1371600" y="3886200"/>
+            <a:ext cx="6400800" cy="1752600"/>
+          </a:xfrm>
+        </p:spPr>
+        <p:txBody>
+          <a:bodyPr/>
+          <a:lstStyle>
+            <a:lvl1pPr marL="0" indent="0" algn="ctr">
+              <a:buNone/>
+              <a:defRPr>
+                <a:solidFill>
+                  <a:schemeClr val="tx1">
+                    <a:tint val="75000"/>
+                  </a:schemeClr>
+                </a:solidFill>
+              </a:defRPr>
+            </a:lvl1pPr>
+            <a:lvl2pPr marL="457200" indent="0" algn="ctr">
+              <a:buNone/>
+              <a:defRPr>
+                <a:solidFill>
+                  <a:schemeClr val="tx1">
+                    <a:tint val="75000"/>
+                  </a:schemeClr>
+                </a:solidFill>
+              </a:defRPr>
+            </a:lvl2pPr>
+            <a:lvl3pPr marL="914400" indent="0" algn="ctr">
+              <a:buNone/>
+              <a:defRPr>
+                <a:solidFill>
+                  <a:schemeClr val="tx1">
+                    <a:tint val="75000"/>
+                  </a:schemeClr>
+                </a:solidFill>
+              </a:defRPr>
+            </a:lvl3pPr>
+            <a:lvl4pPr marL="1371600" indent="0" algn="ctr">
+              <a:buNone/>
+              <a:defRPr>
+                <a:solidFill>
+                  <a:schemeClr val="tx1">
+                    <a:tint val="75000"/>
+                  </a:schemeClr>
+                </a:solidFill>
+              </a:defRPr>
+            </a:lvl4pPr>
+            <a:lvl5pPr marL="1828800" indent="0" algn="ctr">
+              <a:buNone/>
+              <a:defRPr>
+                <a:solidFill>
+                  <a:schemeClr val="tx1">
+                    <a:tint val="75000"/>
+                  </a:schemeClr>
+                </a:solidFill>
+              </a:defRPr>
+            </a:lvl5pPr>
+            <a:lvl6pPr marL="2286000" indent="0" algn="ctr">
+              <a:buNone/>
+              <a:defRPr>
+                <a:solidFill>
+                  <a:schemeClr val="tx1">
+                    <a:tint val="75000"/>
+                  </a:schemeClr>
+                </a:solidFill>
+              </a:defRPr>
+            </a:lvl6pPr>
+            <a:lvl7pPr marL="2743200" indent="0" algn="ctr">
+              <a:buNone/>
+              <a:defRPr>
+                <a:solidFill>
+                  <a:schemeClr val="tx1">
+                    <a:tint val="75000"/>
+                  </a:schemeClr>
+                </a:solidFill>
+              </a:defRPr>
+            </a:lvl7pPr>
+            <a:lvl8pPr marL="3200400" indent="0" algn="ctr">
+              <a:buNone/>
+              <a:defRPr>
+                <a:solidFill>
+                  <a:schemeClr val="tx1">
+                    <a:tint val="75000"/>
+                  </a:schemeClr>
+                </a:solidFill>
+              </a:defRPr>
+            </a:lvl8pPr>
+            <a:lvl9pPr marL="3657600" indent="0" algn="ctr">
+              <a:buNone/>
+              <a:defRPr>
+                <a:solidFill>
+                  <a:schemeClr val="tx1">
+                    <a:tint val="75000"/>
+                  </a:schemeClr>
+                </a:solidFill>
+              </a:defRPr>
+            </a:lvl9pPr>
+          </a:lstStyle>
+          <a:p>
+            <a:r>
+              <a:rPr lang="en-US" smtClean="0"/>
+              <a:t>Click to edit Master subtitle style</a:t>
+            </a:r>
+            <a:endParaRPr lang="en-US"/>
+          </a:p>
+        </p:txBody>
+      </p:sp>
+      <p:sp>
+        <p:nvSpPr>
+          <p:cNvPr id="4" name="Date Placeholder 3"/>
+          <p:cNvSpPr>
+            <a:spLocks noGrp="1"/>
+          </p:cNvSpPr>
+          <p:nvPr>
+            <p:ph type="dt" sz="half" idx="10"/>
+          </p:nvPr>
+        </p:nvSpPr>
+        <p:spPr/>
+        <p:txBody>
+          <a:bodyPr/>
+          <a:lstStyle/>
+          <a:p>
+            <a:fld id="{65F3561B-D0E6-4069-B49A-AD807994F6D3}" type="datetimeFigureOut">
+              <a:rPr lang="en-US" smtClean="0">
+                <a:solidFill>
+                  <a:prstClr val="black">
+                    <a:tint val="75000"/>
+                  </a:prstClr>
+                </a:solidFill>
+              </a:rPr>
+              <a:pPr/>
+              <a:t>10/29/2017</a:t>
+            </a:fld>
+            <a:endParaRPr lang="en-US">
+              <a:solidFill>
+                <a:prstClr val="black">
+                  <a:tint val="75000"/>
+                </a:prstClr>
+              </a:solidFill>
+            </a:endParaRPr>
+          </a:p>
+        </p:txBody>
+      </p:sp>
+      <p:sp>
+        <p:nvSpPr>
+          <p:cNvPr id="5" name="Footer Placeholder 4"/>
+          <p:cNvSpPr>
+            <a:spLocks noGrp="1"/>
+          </p:cNvSpPr>
+          <p:nvPr>
+            <p:ph type="ftr" sz="quarter" idx="11"/>
+          </p:nvPr>
+        </p:nvSpPr>
+        <p:spPr/>
+        <p:txBody>
+          <a:bodyPr/>
+          <a:lstStyle/>
+          <a:p>
+            <a:endParaRPr lang="en-US">
+              <a:solidFill>
+                <a:prstClr val="black">
+                  <a:tint val="75000"/>
+                </a:prstClr>
+              </a:solidFill>
+            </a:endParaRPr>
+          </a:p>
+        </p:txBody>
+      </p:sp>
+      <p:sp>
+        <p:nvSpPr>
+          <p:cNvPr id="6" name="Slide Number Placeholder 5"/>
+          <p:cNvSpPr>
+            <a:spLocks noGrp="1"/>
+          </p:cNvSpPr>
+          <p:nvPr>
+            <p:ph type="sldNum" sz="quarter" idx="12"/>
+          </p:nvPr>
+        </p:nvSpPr>
+        <p:spPr/>
+        <p:txBody>
+          <a:bodyPr/>
+          <a:lstStyle/>
+          <a:p>
+            <a:fld id="{077AC1E5-108E-4B6A-BDB7-24AF8C6A3CB6}" type="slidenum">
+              <a:rPr lang="en-US" smtClean="0">
+                <a:solidFill>
+                  <a:prstClr val="black">
+                    <a:tint val="75000"/>
+                  </a:prstClr>
+                </a:solidFill>
+              </a:rPr>
+              <a:pPr/>
+              <a:t>‹#›</a:t>
+            </a:fld>
+            <a:endParaRPr lang="en-US">
+              <a:solidFill>
+                <a:prstClr val="black">
+                  <a:tint val="75000"/>
+                </a:prstClr>
+              </a:solidFill>
+            </a:endParaRPr>
+          </a:p>
+        </p:txBody>
+      </p:sp>
+    </p:spTree>
+    <p:extLst>
+      <p:ext uri="{BB962C8B-B14F-4D97-AF65-F5344CB8AC3E}">
+        <p14:creationId xmlns:p14="http://schemas.microsoft.com/office/powerpoint/2010/main" val="1749181817"/>
+      </p:ext>
+    </p:extLst>
+  </p:cSld>
+  <p:clrMapOvr>
+    <a:masterClrMapping/>
+  </p:clrMapOvr>
+</p:sldLayout>
+</file>
+
+<file path=ppt/slideLayouts/slideLayout13.xml><?xml version="1.0" encoding="utf-8"?>
+<p:sldLayout xmlns:a="http://schemas.openxmlformats.org/drawingml/2006/main" xmlns:r="http://schemas.openxmlformats.org/officeDocument/2006/relationships" xmlns:p="http://schemas.openxmlformats.org/presentationml/2006/main" type="obj" preserve="1">
+  <p:cSld name="Title and Content">
+    <p:spTree>
+      <p:nvGrpSpPr>
+        <p:cNvPr id="1" name=""/>
+        <p:cNvGrpSpPr/>
+        <p:nvPr/>
+      </p:nvGrpSpPr>
+      <p:grpSpPr>
+        <a:xfrm>
+          <a:off x="0" y="0"/>
+          <a:ext cx="0" cy="0"/>
+          <a:chOff x="0" y="0"/>
+          <a:chExt cx="0" cy="0"/>
+        </a:xfrm>
+      </p:grpSpPr>
+      <p:sp>
+        <p:nvSpPr>
+          <p:cNvPr id="2" name="Title 1"/>
+          <p:cNvSpPr>
+            <a:spLocks noGrp="1"/>
+          </p:cNvSpPr>
+          <p:nvPr>
+            <p:ph type="title"/>
+          </p:nvPr>
+        </p:nvSpPr>
+        <p:spPr/>
+        <p:txBody>
+          <a:bodyPr/>
+          <a:lstStyle/>
+          <a:p>
+            <a:r>
+              <a:rPr lang="en-US" smtClean="0"/>
+              <a:t>Click to edit Master title style</a:t>
+            </a:r>
+            <a:endParaRPr lang="en-US"/>
+          </a:p>
+        </p:txBody>
+      </p:sp>
+      <p:sp>
+        <p:nvSpPr>
+          <p:cNvPr id="3" name="Content Placeholder 2"/>
+          <p:cNvSpPr>
+            <a:spLocks noGrp="1"/>
+          </p:cNvSpPr>
+          <p:nvPr>
+            <p:ph idx="1"/>
+          </p:nvPr>
+        </p:nvSpPr>
+        <p:spPr/>
+        <p:txBody>
+          <a:bodyPr/>
+          <a:lstStyle/>
+          <a:p>
+            <a:pPr lvl="0"/>
+            <a:r>
+              <a:rPr lang="en-US" smtClean="0"/>
+              <a:t>Click to edit Master text styles</a:t>
+            </a:r>
+          </a:p>
+          <a:p>
+            <a:pPr lvl="1"/>
+            <a:r>
+              <a:rPr lang="en-US" smtClean="0"/>
+              <a:t>Second level</a:t>
+            </a:r>
+          </a:p>
+          <a:p>
+            <a:pPr lvl="2"/>
+            <a:r>
+              <a:rPr lang="en-US" smtClean="0"/>
+              <a:t>Third level</a:t>
+            </a:r>
+          </a:p>
+          <a:p>
+            <a:pPr lvl="3"/>
+            <a:r>
+              <a:rPr lang="en-US" smtClean="0"/>
+              <a:t>Fourth level</a:t>
+            </a:r>
+          </a:p>
+          <a:p>
+            <a:pPr lvl="4"/>
+            <a:r>
+              <a:rPr lang="en-US" smtClean="0"/>
+              <a:t>Fifth level</a:t>
+            </a:r>
+            <a:endParaRPr lang="en-US"/>
+          </a:p>
+        </p:txBody>
+      </p:sp>
+      <p:sp>
+        <p:nvSpPr>
+          <p:cNvPr id="4" name="Date Placeholder 3"/>
+          <p:cNvSpPr>
+            <a:spLocks noGrp="1"/>
+          </p:cNvSpPr>
+          <p:nvPr>
+            <p:ph type="dt" sz="half" idx="10"/>
+          </p:nvPr>
+        </p:nvSpPr>
+        <p:spPr/>
+        <p:txBody>
+          <a:bodyPr/>
+          <a:lstStyle/>
+          <a:p>
+            <a:fld id="{65F3561B-D0E6-4069-B49A-AD807994F6D3}" type="datetimeFigureOut">
+              <a:rPr lang="en-US" smtClean="0">
+                <a:solidFill>
+                  <a:prstClr val="black">
+                    <a:tint val="75000"/>
+                  </a:prstClr>
+                </a:solidFill>
+              </a:rPr>
+              <a:pPr/>
+              <a:t>10/29/2017</a:t>
+            </a:fld>
+            <a:endParaRPr lang="en-US">
+              <a:solidFill>
+                <a:prstClr val="black">
+                  <a:tint val="75000"/>
+                </a:prstClr>
+              </a:solidFill>
+            </a:endParaRPr>
+          </a:p>
+        </p:txBody>
+      </p:sp>
+      <p:sp>
+        <p:nvSpPr>
+          <p:cNvPr id="5" name="Footer Placeholder 4"/>
+          <p:cNvSpPr>
+            <a:spLocks noGrp="1"/>
+          </p:cNvSpPr>
+          <p:nvPr>
+            <p:ph type="ftr" sz="quarter" idx="11"/>
+          </p:nvPr>
+        </p:nvSpPr>
+        <p:spPr/>
+        <p:txBody>
+          <a:bodyPr/>
+          <a:lstStyle/>
+          <a:p>
+            <a:endParaRPr lang="en-US">
+              <a:solidFill>
+                <a:prstClr val="black">
+                  <a:tint val="75000"/>
+                </a:prstClr>
+              </a:solidFill>
+            </a:endParaRPr>
+          </a:p>
+        </p:txBody>
+      </p:sp>
+      <p:sp>
+        <p:nvSpPr>
+          <p:cNvPr id="6" name="Slide Number Placeholder 5"/>
+          <p:cNvSpPr>
+            <a:spLocks noGrp="1"/>
+          </p:cNvSpPr>
+          <p:nvPr>
+            <p:ph type="sldNum" sz="quarter" idx="12"/>
+          </p:nvPr>
+        </p:nvSpPr>
+        <p:spPr/>
+        <p:txBody>
+          <a:bodyPr/>
+          <a:lstStyle/>
+          <a:p>
+            <a:fld id="{077AC1E5-108E-4B6A-BDB7-24AF8C6A3CB6}" type="slidenum">
+              <a:rPr lang="en-US" smtClean="0">
+                <a:solidFill>
+                  <a:prstClr val="black">
+                    <a:tint val="75000"/>
+                  </a:prstClr>
+                </a:solidFill>
+              </a:rPr>
+              <a:pPr/>
+              <a:t>‹#›</a:t>
+            </a:fld>
+            <a:endParaRPr lang="en-US">
+              <a:solidFill>
+                <a:prstClr val="black">
+                  <a:tint val="75000"/>
+                </a:prstClr>
+              </a:solidFill>
+            </a:endParaRPr>
+          </a:p>
+        </p:txBody>
+      </p:sp>
+    </p:spTree>
+    <p:extLst>
+      <p:ext uri="{BB962C8B-B14F-4D97-AF65-F5344CB8AC3E}">
+        <p14:creationId xmlns:p14="http://schemas.microsoft.com/office/powerpoint/2010/main" val="336395578"/>
+      </p:ext>
+    </p:extLst>
+  </p:cSld>
+  <p:clrMapOvr>
+    <a:masterClrMapping/>
+  </p:clrMapOvr>
+</p:sldLayout>
+</file>
+
+<file path=ppt/slideLayouts/slideLayout14.xml><?xml version="1.0" encoding="utf-8"?>
+<p:sldLayout xmlns:a="http://schemas.openxmlformats.org/drawingml/2006/main" xmlns:r="http://schemas.openxmlformats.org/officeDocument/2006/relationships" xmlns:p="http://schemas.openxmlformats.org/presentationml/2006/main" type="secHead" preserve="1">
+  <p:cSld name="Section Header">
+    <p:spTree>
+      <p:nvGrpSpPr>
+        <p:cNvPr id="1" name=""/>
+        <p:cNvGrpSpPr/>
+        <p:nvPr/>
+      </p:nvGrpSpPr>
+      <p:grpSpPr>
+        <a:xfrm>
+          <a:off x="0" y="0"/>
+          <a:ext cx="0" cy="0"/>
+          <a:chOff x="0" y="0"/>
+          <a:chExt cx="0" cy="0"/>
+        </a:xfrm>
+      </p:grpSpPr>
+      <p:sp>
+        <p:nvSpPr>
+          <p:cNvPr id="2" name="Title 1"/>
+          <p:cNvSpPr>
+            <a:spLocks noGrp="1"/>
+          </p:cNvSpPr>
+          <p:nvPr>
+            <p:ph type="title"/>
+          </p:nvPr>
+        </p:nvSpPr>
+        <p:spPr>
+          <a:xfrm>
+            <a:off x="722313" y="4406900"/>
+            <a:ext cx="7772400" cy="1362075"/>
+          </a:xfrm>
+        </p:spPr>
+        <p:txBody>
+          <a:bodyPr anchor="t"/>
+          <a:lstStyle>
+            <a:lvl1pPr algn="l">
+              <a:defRPr sz="4000" b="1" cap="all"/>
+            </a:lvl1pPr>
+          </a:lstStyle>
+          <a:p>
+            <a:r>
+              <a:rPr lang="en-US" smtClean="0"/>
+              <a:t>Click to edit Master title style</a:t>
+            </a:r>
+            <a:endParaRPr lang="en-US"/>
+          </a:p>
+        </p:txBody>
+      </p:sp>
+      <p:sp>
+        <p:nvSpPr>
+          <p:cNvPr id="3" name="Text Placeholder 2"/>
+          <p:cNvSpPr>
+            <a:spLocks noGrp="1"/>
+          </p:cNvSpPr>
+          <p:nvPr>
+            <p:ph type="body" idx="1"/>
+          </p:nvPr>
+        </p:nvSpPr>
+        <p:spPr>
+          <a:xfrm>
+            <a:off x="722313" y="2906713"/>
+            <a:ext cx="7772400" cy="1500187"/>
+          </a:xfrm>
+        </p:spPr>
+        <p:txBody>
+          <a:bodyPr anchor="b"/>
+          <a:lstStyle>
+            <a:lvl1pPr marL="0" indent="0">
+              <a:buNone/>
+              <a:defRPr sz="2000">
+                <a:solidFill>
+                  <a:schemeClr val="tx1">
+                    <a:tint val="75000"/>
+                  </a:schemeClr>
+                </a:solidFill>
+              </a:defRPr>
+            </a:lvl1pPr>
+            <a:lvl2pPr marL="457200" indent="0">
+              <a:buNone/>
+              <a:defRPr sz="1800">
+                <a:solidFill>
+                  <a:schemeClr val="tx1">
+                    <a:tint val="75000"/>
+                  </a:schemeClr>
+                </a:solidFill>
+              </a:defRPr>
+            </a:lvl2pPr>
+            <a:lvl3pPr marL="914400" indent="0">
+              <a:buNone/>
+              <a:defRPr sz="1600">
+                <a:solidFill>
+                  <a:schemeClr val="tx1">
+                    <a:tint val="75000"/>
+                  </a:schemeClr>
+                </a:solidFill>
+              </a:defRPr>
+            </a:lvl3pPr>
+            <a:lvl4pPr marL="1371600" indent="0">
+              <a:buNone/>
+              <a:defRPr sz="1400">
+                <a:solidFill>
+                  <a:schemeClr val="tx1">
+                    <a:tint val="75000"/>
+                  </a:schemeClr>
+                </a:solidFill>
+              </a:defRPr>
+            </a:lvl4pPr>
+            <a:lvl5pPr marL="1828800" indent="0">
+              <a:buNone/>
+              <a:defRPr sz="1400">
+                <a:solidFill>
+                  <a:schemeClr val="tx1">
+                    <a:tint val="75000"/>
+                  </a:schemeClr>
+                </a:solidFill>
+              </a:defRPr>
+            </a:lvl5pPr>
+            <a:lvl6pPr marL="2286000" indent="0">
+              <a:buNone/>
+              <a:defRPr sz="1400">
+                <a:solidFill>
+                  <a:schemeClr val="tx1">
+                    <a:tint val="75000"/>
+                  </a:schemeClr>
+                </a:solidFill>
+              </a:defRPr>
+            </a:lvl6pPr>
+            <a:lvl7pPr marL="2743200" indent="0">
+              <a:buNone/>
+              <a:defRPr sz="1400">
+                <a:solidFill>
+                  <a:schemeClr val="tx1">
+                    <a:tint val="75000"/>
+                  </a:schemeClr>
+                </a:solidFill>
+              </a:defRPr>
+            </a:lvl7pPr>
+            <a:lvl8pPr marL="3200400" indent="0">
+              <a:buNone/>
+              <a:defRPr sz="1400">
+                <a:solidFill>
+                  <a:schemeClr val="tx1">
+                    <a:tint val="75000"/>
+                  </a:schemeClr>
+                </a:solidFill>
+              </a:defRPr>
+            </a:lvl8pPr>
+            <a:lvl9pPr marL="3657600" indent="0">
+              <a:buNone/>
+              <a:defRPr sz="1400">
+                <a:solidFill>
+                  <a:schemeClr val="tx1">
+                    <a:tint val="75000"/>
+                  </a:schemeClr>
+                </a:solidFill>
+              </a:defRPr>
+            </a:lvl9pPr>
+          </a:lstStyle>
+          <a:p>
+            <a:pPr lvl="0"/>
+            <a:r>
+              <a:rPr lang="en-US" smtClean="0"/>
+              <a:t>Click to edit Master text styles</a:t>
+            </a:r>
+          </a:p>
+        </p:txBody>
+      </p:sp>
+      <p:sp>
+        <p:nvSpPr>
+          <p:cNvPr id="4" name="Date Placeholder 3"/>
+          <p:cNvSpPr>
+            <a:spLocks noGrp="1"/>
+          </p:cNvSpPr>
+          <p:nvPr>
+            <p:ph type="dt" sz="half" idx="10"/>
+          </p:nvPr>
+        </p:nvSpPr>
+        <p:spPr/>
+        <p:txBody>
+          <a:bodyPr/>
+          <a:lstStyle/>
+          <a:p>
+            <a:fld id="{65F3561B-D0E6-4069-B49A-AD807994F6D3}" type="datetimeFigureOut">
+              <a:rPr lang="en-US" smtClean="0">
+                <a:solidFill>
+                  <a:prstClr val="black">
+                    <a:tint val="75000"/>
+                  </a:prstClr>
+                </a:solidFill>
+              </a:rPr>
+              <a:pPr/>
+              <a:t>10/29/2017</a:t>
+            </a:fld>
+            <a:endParaRPr lang="en-US">
+              <a:solidFill>
+                <a:prstClr val="black">
+                  <a:tint val="75000"/>
+                </a:prstClr>
+              </a:solidFill>
+            </a:endParaRPr>
+          </a:p>
+        </p:txBody>
+      </p:sp>
+      <p:sp>
+        <p:nvSpPr>
+          <p:cNvPr id="5" name="Footer Placeholder 4"/>
+          <p:cNvSpPr>
+            <a:spLocks noGrp="1"/>
+          </p:cNvSpPr>
+          <p:nvPr>
+            <p:ph type="ftr" sz="quarter" idx="11"/>
+          </p:nvPr>
+        </p:nvSpPr>
+        <p:spPr/>
+        <p:txBody>
+          <a:bodyPr/>
+          <a:lstStyle/>
+          <a:p>
+            <a:endParaRPr lang="en-US">
+              <a:solidFill>
+                <a:prstClr val="black">
+                  <a:tint val="75000"/>
+                </a:prstClr>
+              </a:solidFill>
+            </a:endParaRPr>
+          </a:p>
+        </p:txBody>
+      </p:sp>
+      <p:sp>
+        <p:nvSpPr>
+          <p:cNvPr id="6" name="Slide Number Placeholder 5"/>
+          <p:cNvSpPr>
+            <a:spLocks noGrp="1"/>
+          </p:cNvSpPr>
+          <p:nvPr>
+            <p:ph type="sldNum" sz="quarter" idx="12"/>
+          </p:nvPr>
+        </p:nvSpPr>
+        <p:spPr/>
+        <p:txBody>
+          <a:bodyPr/>
+          <a:lstStyle/>
+          <a:p>
+            <a:fld id="{077AC1E5-108E-4B6A-BDB7-24AF8C6A3CB6}" type="slidenum">
+              <a:rPr lang="en-US" smtClean="0">
+                <a:solidFill>
+                  <a:prstClr val="black">
+                    <a:tint val="75000"/>
+                  </a:prstClr>
+                </a:solidFill>
+              </a:rPr>
+              <a:pPr/>
+              <a:t>‹#›</a:t>
+            </a:fld>
+            <a:endParaRPr lang="en-US">
+              <a:solidFill>
+                <a:prstClr val="black">
+                  <a:tint val="75000"/>
+                </a:prstClr>
+              </a:solidFill>
+            </a:endParaRPr>
+          </a:p>
+        </p:txBody>
+      </p:sp>
+    </p:spTree>
+    <p:extLst>
+      <p:ext uri="{BB962C8B-B14F-4D97-AF65-F5344CB8AC3E}">
+        <p14:creationId xmlns:p14="http://schemas.microsoft.com/office/powerpoint/2010/main" val="2518655215"/>
+      </p:ext>
+    </p:extLst>
+  </p:cSld>
+  <p:clrMapOvr>
+    <a:masterClrMapping/>
+  </p:clrMapOvr>
+</p:sldLayout>
+</file>
+
+<file path=ppt/slideLayouts/slideLayout15.xml><?xml version="1.0" encoding="utf-8"?>
+<p:sldLayout xmlns:a="http://schemas.openxmlformats.org/drawingml/2006/main" xmlns:r="http://schemas.openxmlformats.org/officeDocument/2006/relationships" xmlns:p="http://schemas.openxmlformats.org/presentationml/2006/main" type="twoObj" preserve="1">
+  <p:cSld name="Two Content">
+    <p:spTree>
+      <p:nvGrpSpPr>
+        <p:cNvPr id="1" name=""/>
+        <p:cNvGrpSpPr/>
+        <p:nvPr/>
+      </p:nvGrpSpPr>
+      <p:grpSpPr>
+        <a:xfrm>
+          <a:off x="0" y="0"/>
+          <a:ext cx="0" cy="0"/>
+          <a:chOff x="0" y="0"/>
+          <a:chExt cx="0" cy="0"/>
+        </a:xfrm>
+      </p:grpSpPr>
+      <p:sp>
+        <p:nvSpPr>
+          <p:cNvPr id="2" name="Title 1"/>
+          <p:cNvSpPr>
+            <a:spLocks noGrp="1"/>
+          </p:cNvSpPr>
+          <p:nvPr>
+            <p:ph type="title"/>
+          </p:nvPr>
+        </p:nvSpPr>
+        <p:spPr/>
+        <p:txBody>
+          <a:bodyPr/>
+          <a:lstStyle/>
+          <a:p>
+            <a:r>
+              <a:rPr lang="en-US" smtClean="0"/>
+              <a:t>Click to edit Master title style</a:t>
+            </a:r>
+            <a:endParaRPr lang="en-US"/>
+          </a:p>
+        </p:txBody>
+      </p:sp>
+      <p:sp>
+        <p:nvSpPr>
+          <p:cNvPr id="3" name="Content Placeholder 2"/>
+          <p:cNvSpPr>
+            <a:spLocks noGrp="1"/>
+          </p:cNvSpPr>
+          <p:nvPr>
+            <p:ph sz="half" idx="1"/>
+          </p:nvPr>
+        </p:nvSpPr>
+        <p:spPr>
+          <a:xfrm>
+            <a:off x="457200" y="1600200"/>
+            <a:ext cx="4038600" cy="4525963"/>
+          </a:xfrm>
+        </p:spPr>
+        <p:txBody>
+          <a:bodyPr/>
+          <a:lstStyle>
+            <a:lvl1pPr>
+              <a:defRPr sz="2800"/>
+            </a:lvl1pPr>
+            <a:lvl2pPr>
+              <a:defRPr sz="2400"/>
+            </a:lvl2pPr>
+            <a:lvl3pPr>
+              <a:defRPr sz="2000"/>
+            </a:lvl3pPr>
+            <a:lvl4pPr>
+              <a:defRPr sz="1800"/>
+            </a:lvl4pPr>
+            <a:lvl5pPr>
+              <a:defRPr sz="1800"/>
+            </a:lvl5pPr>
+            <a:lvl6pPr>
+              <a:defRPr sz="1800"/>
+            </a:lvl6pPr>
+            <a:lvl7pPr>
+              <a:defRPr sz="1800"/>
+            </a:lvl7pPr>
+            <a:lvl8pPr>
+              <a:defRPr sz="1800"/>
+            </a:lvl8pPr>
+            <a:lvl9pPr>
+              <a:defRPr sz="1800"/>
+            </a:lvl9pPr>
+          </a:lstStyle>
+          <a:p>
+            <a:pPr lvl="0"/>
+            <a:r>
+              <a:rPr lang="en-US" smtClean="0"/>
+              <a:t>Click to edit Master text styles</a:t>
+            </a:r>
+          </a:p>
+          <a:p>
+            <a:pPr lvl="1"/>
+            <a:r>
+              <a:rPr lang="en-US" smtClean="0"/>
+              <a:t>Second level</a:t>
+            </a:r>
+          </a:p>
+          <a:p>
+            <a:pPr lvl="2"/>
+            <a:r>
+              <a:rPr lang="en-US" smtClean="0"/>
+              <a:t>Third level</a:t>
+            </a:r>
+          </a:p>
+          <a:p>
+            <a:pPr lvl="3"/>
+            <a:r>
+              <a:rPr lang="en-US" smtClean="0"/>
+              <a:t>Fourth level</a:t>
+            </a:r>
+          </a:p>
+          <a:p>
+            <a:pPr lvl="4"/>
+            <a:r>
+              <a:rPr lang="en-US" smtClean="0"/>
+              <a:t>Fifth level</a:t>
+            </a:r>
+            <a:endParaRPr lang="en-US"/>
+          </a:p>
+        </p:txBody>
+      </p:sp>
+      <p:sp>
+        <p:nvSpPr>
+          <p:cNvPr id="4" name="Content Placeholder 3"/>
+          <p:cNvSpPr>
+            <a:spLocks noGrp="1"/>
+          </p:cNvSpPr>
+          <p:nvPr>
+            <p:ph sz="half" idx="2"/>
+          </p:nvPr>
+        </p:nvSpPr>
+        <p:spPr>
+          <a:xfrm>
+            <a:off x="4648200" y="1600200"/>
+            <a:ext cx="4038600" cy="4525963"/>
+          </a:xfrm>
+        </p:spPr>
+        <p:txBody>
+          <a:bodyPr/>
+          <a:lstStyle>
+            <a:lvl1pPr>
+              <a:defRPr sz="2800"/>
+            </a:lvl1pPr>
+            <a:lvl2pPr>
+              <a:defRPr sz="2400"/>
+            </a:lvl2pPr>
+            <a:lvl3pPr>
+              <a:defRPr sz="2000"/>
+            </a:lvl3pPr>
+            <a:lvl4pPr>
+              <a:defRPr sz="1800"/>
+            </a:lvl4pPr>
+            <a:lvl5pPr>
+              <a:defRPr sz="1800"/>
+            </a:lvl5pPr>
+            <a:lvl6pPr>
+              <a:defRPr sz="1800"/>
+            </a:lvl6pPr>
+            <a:lvl7pPr>
+              <a:defRPr sz="1800"/>
+            </a:lvl7pPr>
+            <a:lvl8pPr>
+              <a:defRPr sz="1800"/>
+            </a:lvl8pPr>
+            <a:lvl9pPr>
+              <a:defRPr sz="1800"/>
+            </a:lvl9pPr>
+          </a:lstStyle>
+          <a:p>
+            <a:pPr lvl="0"/>
+            <a:r>
+              <a:rPr lang="en-US" smtClean="0"/>
+              <a:t>Click to edit Master text styles</a:t>
+            </a:r>
+          </a:p>
+          <a:p>
+            <a:pPr lvl="1"/>
+            <a:r>
+              <a:rPr lang="en-US" smtClean="0"/>
+              <a:t>Second level</a:t>
+            </a:r>
+          </a:p>
+          <a:p>
+            <a:pPr lvl="2"/>
+            <a:r>
+              <a:rPr lang="en-US" smtClean="0"/>
+              <a:t>Third level</a:t>
+            </a:r>
+          </a:p>
+          <a:p>
+            <a:pPr lvl="3"/>
+            <a:r>
+              <a:rPr lang="en-US" smtClean="0"/>
+              <a:t>Fourth level</a:t>
+            </a:r>
+          </a:p>
+          <a:p>
+            <a:pPr lvl="4"/>
+            <a:r>
+              <a:rPr lang="en-US" smtClean="0"/>
+              <a:t>Fifth level</a:t>
+            </a:r>
+            <a:endParaRPr lang="en-US"/>
+          </a:p>
+        </p:txBody>
+      </p:sp>
+      <p:sp>
+        <p:nvSpPr>
+          <p:cNvPr id="5" name="Date Placeholder 4"/>
+          <p:cNvSpPr>
+            <a:spLocks noGrp="1"/>
+          </p:cNvSpPr>
+          <p:nvPr>
+            <p:ph type="dt" sz="half" idx="10"/>
+          </p:nvPr>
+        </p:nvSpPr>
+        <p:spPr/>
+        <p:txBody>
+          <a:bodyPr/>
+          <a:lstStyle/>
+          <a:p>
+            <a:fld id="{65F3561B-D0E6-4069-B49A-AD807994F6D3}" type="datetimeFigureOut">
+              <a:rPr lang="en-US" smtClean="0">
+                <a:solidFill>
+                  <a:prstClr val="black">
+                    <a:tint val="75000"/>
+                  </a:prstClr>
+                </a:solidFill>
+              </a:rPr>
+              <a:pPr/>
+              <a:t>10/29/2017</a:t>
+            </a:fld>
+            <a:endParaRPr lang="en-US">
+              <a:solidFill>
+                <a:prstClr val="black">
+                  <a:tint val="75000"/>
+                </a:prstClr>
+              </a:solidFill>
+            </a:endParaRPr>
+          </a:p>
+        </p:txBody>
+      </p:sp>
+      <p:sp>
+        <p:nvSpPr>
+          <p:cNvPr id="6" name="Footer Placeholder 5"/>
+          <p:cNvSpPr>
+            <a:spLocks noGrp="1"/>
+          </p:cNvSpPr>
+          <p:nvPr>
+            <p:ph type="ftr" sz="quarter" idx="11"/>
+          </p:nvPr>
+        </p:nvSpPr>
+        <p:spPr/>
+        <p:txBody>
+          <a:bodyPr/>
+          <a:lstStyle/>
+          <a:p>
+            <a:endParaRPr lang="en-US">
+              <a:solidFill>
+                <a:prstClr val="black">
+                  <a:tint val="75000"/>
+                </a:prstClr>
+              </a:solidFill>
+            </a:endParaRPr>
+          </a:p>
+        </p:txBody>
+      </p:sp>
+      <p:sp>
+        <p:nvSpPr>
+          <p:cNvPr id="7" name="Slide Number Placeholder 6"/>
+          <p:cNvSpPr>
+            <a:spLocks noGrp="1"/>
+          </p:cNvSpPr>
+          <p:nvPr>
+            <p:ph type="sldNum" sz="quarter" idx="12"/>
+          </p:nvPr>
+        </p:nvSpPr>
+        <p:spPr/>
+        <p:txBody>
+          <a:bodyPr/>
+          <a:lstStyle/>
+          <a:p>
+            <a:fld id="{077AC1E5-108E-4B6A-BDB7-24AF8C6A3CB6}" type="slidenum">
+              <a:rPr lang="en-US" smtClean="0">
+                <a:solidFill>
+                  <a:prstClr val="black">
+                    <a:tint val="75000"/>
+                  </a:prstClr>
+                </a:solidFill>
+              </a:rPr>
+              <a:pPr/>
+              <a:t>‹#›</a:t>
+            </a:fld>
+            <a:endParaRPr lang="en-US">
+              <a:solidFill>
+                <a:prstClr val="black">
+                  <a:tint val="75000"/>
+                </a:prstClr>
+              </a:solidFill>
+            </a:endParaRPr>
+          </a:p>
+        </p:txBody>
+      </p:sp>
+    </p:spTree>
+    <p:extLst>
+      <p:ext uri="{BB962C8B-B14F-4D97-AF65-F5344CB8AC3E}">
+        <p14:creationId xmlns:p14="http://schemas.microsoft.com/office/powerpoint/2010/main" val="2551822207"/>
+      </p:ext>
+    </p:extLst>
+  </p:cSld>
+  <p:clrMapOvr>
+    <a:masterClrMapping/>
+  </p:clrMapOvr>
+</p:sldLayout>
+</file>
+
+<file path=ppt/slideLayouts/slideLayout16.xml><?xml version="1.0" encoding="utf-8"?>
+<p:sldLayout xmlns:a="http://schemas.openxmlformats.org/drawingml/2006/main" xmlns:r="http://schemas.openxmlformats.org/officeDocument/2006/relationships" xmlns:p="http://schemas.openxmlformats.org/presentationml/2006/main" type="twoTxTwoObj" preserve="1">
+  <p:cSld name="Comparison">
+    <p:spTree>
+      <p:nvGrpSpPr>
+        <p:cNvPr id="1" name=""/>
+        <p:cNvGrpSpPr/>
+        <p:nvPr/>
+      </p:nvGrpSpPr>
+      <p:grpSpPr>
+        <a:xfrm>
+          <a:off x="0" y="0"/>
+          <a:ext cx="0" cy="0"/>
+          <a:chOff x="0" y="0"/>
+          <a:chExt cx="0" cy="0"/>
+        </a:xfrm>
+      </p:grpSpPr>
+      <p:sp>
+        <p:nvSpPr>
+          <p:cNvPr id="2" name="Title 1"/>
+          <p:cNvSpPr>
+            <a:spLocks noGrp="1"/>
+          </p:cNvSpPr>
+          <p:nvPr>
+            <p:ph type="title"/>
+          </p:nvPr>
+        </p:nvSpPr>
+        <p:spPr/>
+        <p:txBody>
+          <a:bodyPr/>
+          <a:lstStyle>
+            <a:lvl1pPr>
+              <a:defRPr/>
+            </a:lvl1pPr>
+          </a:lstStyle>
+          <a:p>
+            <a:r>
+              <a:rPr lang="en-US" smtClean="0"/>
+              <a:t>Click to edit Master title style</a:t>
+            </a:r>
+            <a:endParaRPr lang="en-US"/>
+          </a:p>
+        </p:txBody>
+      </p:sp>
+      <p:sp>
+        <p:nvSpPr>
+          <p:cNvPr id="3" name="Text Placeholder 2"/>
+          <p:cNvSpPr>
+            <a:spLocks noGrp="1"/>
+          </p:cNvSpPr>
+          <p:nvPr>
+            <p:ph type="body" idx="1"/>
+          </p:nvPr>
+        </p:nvSpPr>
+        <p:spPr>
+          <a:xfrm>
+            <a:off x="457200" y="1535113"/>
+            <a:ext cx="4040188" cy="639762"/>
+          </a:xfrm>
+        </p:spPr>
+        <p:txBody>
+          <a:bodyPr anchor="b"/>
+          <a:lstStyle>
+            <a:lvl1pPr marL="0" indent="0">
+              <a:buNone/>
+              <a:defRPr sz="2400" b="1"/>
+            </a:lvl1pPr>
+            <a:lvl2pPr marL="457200" indent="0">
+              <a:buNone/>
+              <a:defRPr sz="2000" b="1"/>
+            </a:lvl2pPr>
+            <a:lvl3pPr marL="914400" indent="0">
+              <a:buNone/>
+              <a:defRPr sz="1800" b="1"/>
+            </a:lvl3pPr>
+            <a:lvl4pPr marL="1371600" indent="0">
+              <a:buNone/>
+              <a:defRPr sz="1600" b="1"/>
+            </a:lvl4pPr>
+            <a:lvl5pPr marL="1828800" indent="0">
+              <a:buNone/>
+              <a:defRPr sz="1600" b="1"/>
+            </a:lvl5pPr>
+            <a:lvl6pPr marL="2286000" indent="0">
+              <a:buNone/>
+              <a:defRPr sz="1600" b="1"/>
+            </a:lvl6pPr>
+            <a:lvl7pPr marL="2743200" indent="0">
+              <a:buNone/>
+              <a:defRPr sz="1600" b="1"/>
+            </a:lvl7pPr>
+            <a:lvl8pPr marL="3200400" indent="0">
+              <a:buNone/>
+              <a:defRPr sz="1600" b="1"/>
+            </a:lvl8pPr>
+            <a:lvl9pPr marL="3657600" indent="0">
+              <a:buNone/>
+              <a:defRPr sz="1600" b="1"/>
+            </a:lvl9pPr>
+          </a:lstStyle>
+          <a:p>
+            <a:pPr lvl="0"/>
+            <a:r>
+              <a:rPr lang="en-US" smtClean="0"/>
+              <a:t>Click to edit Master text styles</a:t>
+            </a:r>
+          </a:p>
+        </p:txBody>
+      </p:sp>
+      <p:sp>
+        <p:nvSpPr>
+          <p:cNvPr id="4" name="Content Placeholder 3"/>
+          <p:cNvSpPr>
+            <a:spLocks noGrp="1"/>
+          </p:cNvSpPr>
+          <p:nvPr>
+            <p:ph sz="half" idx="2"/>
+          </p:nvPr>
+        </p:nvSpPr>
+        <p:spPr>
+          <a:xfrm>
+            <a:off x="457200" y="2174875"/>
+            <a:ext cx="4040188" cy="3951288"/>
+          </a:xfrm>
+        </p:spPr>
+        <p:txBody>
+          <a:bodyPr/>
+          <a:lstStyle>
+            <a:lvl1pPr>
+              <a:defRPr sz="2400"/>
+            </a:lvl1pPr>
+            <a:lvl2pPr>
+              <a:defRPr sz="2000"/>
+            </a:lvl2pPr>
+            <a:lvl3pPr>
+              <a:defRPr sz="1800"/>
+            </a:lvl3pPr>
+            <a:lvl4pPr>
+              <a:defRPr sz="1600"/>
+            </a:lvl4pPr>
+            <a:lvl5pPr>
+              <a:defRPr sz="1600"/>
+            </a:lvl5pPr>
+            <a:lvl6pPr>
+              <a:defRPr sz="1600"/>
+            </a:lvl6pPr>
+            <a:lvl7pPr>
+              <a:defRPr sz="1600"/>
+            </a:lvl7pPr>
+            <a:lvl8pPr>
+              <a:defRPr sz="1600"/>
+            </a:lvl8pPr>
+            <a:lvl9pPr>
+              <a:defRPr sz="1600"/>
+            </a:lvl9pPr>
+          </a:lstStyle>
+          <a:p>
+            <a:pPr lvl="0"/>
+            <a:r>
+              <a:rPr lang="en-US" smtClean="0"/>
+              <a:t>Click to edit Master text styles</a:t>
+            </a:r>
+          </a:p>
+          <a:p>
+            <a:pPr lvl="1"/>
+            <a:r>
+              <a:rPr lang="en-US" smtClean="0"/>
+              <a:t>Second level</a:t>
+            </a:r>
+          </a:p>
+          <a:p>
+            <a:pPr lvl="2"/>
+            <a:r>
+              <a:rPr lang="en-US" smtClean="0"/>
+              <a:t>Third level</a:t>
+            </a:r>
+          </a:p>
+          <a:p>
+            <a:pPr lvl="3"/>
+            <a:r>
+              <a:rPr lang="en-US" smtClean="0"/>
+              <a:t>Fourth level</a:t>
+            </a:r>
+          </a:p>
+          <a:p>
+            <a:pPr lvl="4"/>
+            <a:r>
+              <a:rPr lang="en-US" smtClean="0"/>
+              <a:t>Fifth level</a:t>
+            </a:r>
+            <a:endParaRPr lang="en-US"/>
+          </a:p>
+        </p:txBody>
+      </p:sp>
+      <p:sp>
+        <p:nvSpPr>
+          <p:cNvPr id="5" name="Text Placeholder 4"/>
+          <p:cNvSpPr>
+            <a:spLocks noGrp="1"/>
+          </p:cNvSpPr>
+          <p:nvPr>
+            <p:ph type="body" sz="quarter" idx="3"/>
+          </p:nvPr>
+        </p:nvSpPr>
+        <p:spPr>
+          <a:xfrm>
+            <a:off x="4645025" y="1535113"/>
+            <a:ext cx="4041775" cy="639762"/>
+          </a:xfrm>
+        </p:spPr>
+        <p:txBody>
+          <a:bodyPr anchor="b"/>
+          <a:lstStyle>
+            <a:lvl1pPr marL="0" indent="0">
+              <a:buNone/>
+              <a:defRPr sz="2400" b="1"/>
+            </a:lvl1pPr>
+            <a:lvl2pPr marL="457200" indent="0">
+              <a:buNone/>
+              <a:defRPr sz="2000" b="1"/>
+            </a:lvl2pPr>
+            <a:lvl3pPr marL="914400" indent="0">
+              <a:buNone/>
+              <a:defRPr sz="1800" b="1"/>
+            </a:lvl3pPr>
+            <a:lvl4pPr marL="1371600" indent="0">
+              <a:buNone/>
+              <a:defRPr sz="1600" b="1"/>
+            </a:lvl4pPr>
+            <a:lvl5pPr marL="1828800" indent="0">
+              <a:buNone/>
+              <a:defRPr sz="1600" b="1"/>
+            </a:lvl5pPr>
+            <a:lvl6pPr marL="2286000" indent="0">
+              <a:buNone/>
+              <a:defRPr sz="1600" b="1"/>
+            </a:lvl6pPr>
+            <a:lvl7pPr marL="2743200" indent="0">
+              <a:buNone/>
+              <a:defRPr sz="1600" b="1"/>
+            </a:lvl7pPr>
+            <a:lvl8pPr marL="3200400" indent="0">
+              <a:buNone/>
+              <a:defRPr sz="1600" b="1"/>
+            </a:lvl8pPr>
+            <a:lvl9pPr marL="3657600" indent="0">
+              <a:buNone/>
+              <a:defRPr sz="1600" b="1"/>
+            </a:lvl9pPr>
+          </a:lstStyle>
+          <a:p>
+            <a:pPr lvl="0"/>
+            <a:r>
+              <a:rPr lang="en-US" smtClean="0"/>
+              <a:t>Click to edit Master text styles</a:t>
+            </a:r>
+          </a:p>
+        </p:txBody>
+      </p:sp>
+      <p:sp>
+        <p:nvSpPr>
+          <p:cNvPr id="6" name="Content Placeholder 5"/>
+          <p:cNvSpPr>
+            <a:spLocks noGrp="1"/>
+          </p:cNvSpPr>
+          <p:nvPr>
+            <p:ph sz="quarter" idx="4"/>
+          </p:nvPr>
+        </p:nvSpPr>
+        <p:spPr>
+          <a:xfrm>
+            <a:off x="4645025" y="2174875"/>
+            <a:ext cx="4041775" cy="3951288"/>
+          </a:xfrm>
+        </p:spPr>
+        <p:txBody>
+          <a:bodyPr/>
+          <a:lstStyle>
+            <a:lvl1pPr>
+              <a:defRPr sz="2400"/>
+            </a:lvl1pPr>
+            <a:lvl2pPr>
+              <a:defRPr sz="2000"/>
+            </a:lvl2pPr>
+            <a:lvl3pPr>
+              <a:defRPr sz="1800"/>
+            </a:lvl3pPr>
+            <a:lvl4pPr>
+              <a:defRPr sz="1600"/>
+            </a:lvl4pPr>
+            <a:lvl5pPr>
+              <a:defRPr sz="1600"/>
+            </a:lvl5pPr>
+            <a:lvl6pPr>
+              <a:defRPr sz="1600"/>
+            </a:lvl6pPr>
+            <a:lvl7pPr>
+              <a:defRPr sz="1600"/>
+            </a:lvl7pPr>
+            <a:lvl8pPr>
+              <a:defRPr sz="1600"/>
+            </a:lvl8pPr>
+            <a:lvl9pPr>
+              <a:defRPr sz="1600"/>
+            </a:lvl9pPr>
+          </a:lstStyle>
+          <a:p>
+            <a:pPr lvl="0"/>
+            <a:r>
+              <a:rPr lang="en-US" smtClean="0"/>
+              <a:t>Click to edit Master text styles</a:t>
+            </a:r>
+          </a:p>
+          <a:p>
+            <a:pPr lvl="1"/>
+            <a:r>
+              <a:rPr lang="en-US" smtClean="0"/>
+              <a:t>Second level</a:t>
+            </a:r>
+          </a:p>
+          <a:p>
+            <a:pPr lvl="2"/>
+            <a:r>
+              <a:rPr lang="en-US" smtClean="0"/>
+              <a:t>Third level</a:t>
+            </a:r>
+          </a:p>
+          <a:p>
+            <a:pPr lvl="3"/>
+            <a:r>
+              <a:rPr lang="en-US" smtClean="0"/>
+              <a:t>Fourth level</a:t>
+            </a:r>
+          </a:p>
+          <a:p>
+            <a:pPr lvl="4"/>
+            <a:r>
+              <a:rPr lang="en-US" smtClean="0"/>
+              <a:t>Fifth level</a:t>
+            </a:r>
+            <a:endParaRPr lang="en-US"/>
+          </a:p>
+        </p:txBody>
+      </p:sp>
+      <p:sp>
+        <p:nvSpPr>
+          <p:cNvPr id="7" name="Date Placeholder 6"/>
+          <p:cNvSpPr>
+            <a:spLocks noGrp="1"/>
+          </p:cNvSpPr>
+          <p:nvPr>
+            <p:ph type="dt" sz="half" idx="10"/>
+          </p:nvPr>
+        </p:nvSpPr>
+        <p:spPr/>
+        <p:txBody>
+          <a:bodyPr/>
+          <a:lstStyle/>
+          <a:p>
+            <a:fld id="{65F3561B-D0E6-4069-B49A-AD807994F6D3}" type="datetimeFigureOut">
+              <a:rPr lang="en-US" smtClean="0">
+                <a:solidFill>
+                  <a:prstClr val="black">
+                    <a:tint val="75000"/>
+                  </a:prstClr>
+                </a:solidFill>
+              </a:rPr>
+              <a:pPr/>
+              <a:t>10/29/2017</a:t>
+            </a:fld>
+            <a:endParaRPr lang="en-US">
+              <a:solidFill>
+                <a:prstClr val="black">
+                  <a:tint val="75000"/>
+                </a:prstClr>
+              </a:solidFill>
+            </a:endParaRPr>
+          </a:p>
+        </p:txBody>
+      </p:sp>
+      <p:sp>
+        <p:nvSpPr>
+          <p:cNvPr id="8" name="Footer Placeholder 7"/>
+          <p:cNvSpPr>
+            <a:spLocks noGrp="1"/>
+          </p:cNvSpPr>
+          <p:nvPr>
+            <p:ph type="ftr" sz="quarter" idx="11"/>
+          </p:nvPr>
+        </p:nvSpPr>
+        <p:spPr/>
+        <p:txBody>
+          <a:bodyPr/>
+          <a:lstStyle/>
+          <a:p>
+            <a:endParaRPr lang="en-US">
+              <a:solidFill>
+                <a:prstClr val="black">
+                  <a:tint val="75000"/>
+                </a:prstClr>
+              </a:solidFill>
+            </a:endParaRPr>
+          </a:p>
+        </p:txBody>
+      </p:sp>
+      <p:sp>
+        <p:nvSpPr>
+          <p:cNvPr id="9" name="Slide Number Placeholder 8"/>
+          <p:cNvSpPr>
+            <a:spLocks noGrp="1"/>
+          </p:cNvSpPr>
+          <p:nvPr>
+            <p:ph type="sldNum" sz="quarter" idx="12"/>
+          </p:nvPr>
+        </p:nvSpPr>
+        <p:spPr/>
+        <p:txBody>
+          <a:bodyPr/>
+          <a:lstStyle/>
+          <a:p>
+            <a:fld id="{077AC1E5-108E-4B6A-BDB7-24AF8C6A3CB6}" type="slidenum">
+              <a:rPr lang="en-US" smtClean="0">
+                <a:solidFill>
+                  <a:prstClr val="black">
+                    <a:tint val="75000"/>
+                  </a:prstClr>
+                </a:solidFill>
+              </a:rPr>
+              <a:pPr/>
+              <a:t>‹#›</a:t>
+            </a:fld>
+            <a:endParaRPr lang="en-US">
+              <a:solidFill>
+                <a:prstClr val="black">
+                  <a:tint val="75000"/>
+                </a:prstClr>
+              </a:solidFill>
+            </a:endParaRPr>
+          </a:p>
+        </p:txBody>
+      </p:sp>
+    </p:spTree>
+    <p:extLst>
+      <p:ext uri="{BB962C8B-B14F-4D97-AF65-F5344CB8AC3E}">
+        <p14:creationId xmlns:p14="http://schemas.microsoft.com/office/powerpoint/2010/main" val="4017751760"/>
+      </p:ext>
+    </p:extLst>
+  </p:cSld>
+  <p:clrMapOvr>
+    <a:masterClrMapping/>
+  </p:clrMapOvr>
+</p:sldLayout>
+</file>
+
+<file path=ppt/slideLayouts/slideLayout17.xml><?xml version="1.0" encoding="utf-8"?>
+<p:sldLayout xmlns:a="http://schemas.openxmlformats.org/drawingml/2006/main" xmlns:r="http://schemas.openxmlformats.org/officeDocument/2006/relationships" xmlns:p="http://schemas.openxmlformats.org/presentationml/2006/main" type="titleOnly" preserve="1">
+  <p:cSld name="Title Only">
+    <p:spTree>
+      <p:nvGrpSpPr>
+        <p:cNvPr id="1" name=""/>
+        <p:cNvGrpSpPr/>
+        <p:nvPr/>
+      </p:nvGrpSpPr>
+      <p:grpSpPr>
+        <a:xfrm>
+          <a:off x="0" y="0"/>
+          <a:ext cx="0" cy="0"/>
+          <a:chOff x="0" y="0"/>
+          <a:chExt cx="0" cy="0"/>
+        </a:xfrm>
+      </p:grpSpPr>
+      <p:sp>
+        <p:nvSpPr>
+          <p:cNvPr id="2" name="Title 1"/>
+          <p:cNvSpPr>
+            <a:spLocks noGrp="1"/>
+          </p:cNvSpPr>
+          <p:nvPr>
+            <p:ph type="title"/>
+          </p:nvPr>
+        </p:nvSpPr>
+        <p:spPr/>
+        <p:txBody>
+          <a:bodyPr/>
+          <a:lstStyle/>
+          <a:p>
+            <a:r>
+              <a:rPr lang="en-US" smtClean="0"/>
+              <a:t>Click to edit Master title style</a:t>
+            </a:r>
+            <a:endParaRPr lang="en-US"/>
+          </a:p>
+        </p:txBody>
+      </p:sp>
+      <p:sp>
+        <p:nvSpPr>
+          <p:cNvPr id="3" name="Date Placeholder 2"/>
+          <p:cNvSpPr>
+            <a:spLocks noGrp="1"/>
+          </p:cNvSpPr>
+          <p:nvPr>
+            <p:ph type="dt" sz="half" idx="10"/>
+          </p:nvPr>
+        </p:nvSpPr>
+        <p:spPr/>
+        <p:txBody>
+          <a:bodyPr/>
+          <a:lstStyle/>
+          <a:p>
+            <a:fld id="{65F3561B-D0E6-4069-B49A-AD807994F6D3}" type="datetimeFigureOut">
+              <a:rPr lang="en-US" smtClean="0">
+                <a:solidFill>
+                  <a:prstClr val="black">
+                    <a:tint val="75000"/>
+                  </a:prstClr>
+                </a:solidFill>
+              </a:rPr>
+              <a:pPr/>
+              <a:t>10/29/2017</a:t>
+            </a:fld>
+            <a:endParaRPr lang="en-US">
+              <a:solidFill>
+                <a:prstClr val="black">
+                  <a:tint val="75000"/>
+                </a:prstClr>
+              </a:solidFill>
+            </a:endParaRPr>
+          </a:p>
+        </p:txBody>
+      </p:sp>
+      <p:sp>
+        <p:nvSpPr>
+          <p:cNvPr id="4" name="Footer Placeholder 3"/>
+          <p:cNvSpPr>
+            <a:spLocks noGrp="1"/>
+          </p:cNvSpPr>
+          <p:nvPr>
+            <p:ph type="ftr" sz="quarter" idx="11"/>
+          </p:nvPr>
+        </p:nvSpPr>
+        <p:spPr/>
+        <p:txBody>
+          <a:bodyPr/>
+          <a:lstStyle/>
+          <a:p>
+            <a:endParaRPr lang="en-US">
+              <a:solidFill>
+                <a:prstClr val="black">
+                  <a:tint val="75000"/>
+                </a:prstClr>
+              </a:solidFill>
+            </a:endParaRPr>
+          </a:p>
+        </p:txBody>
+      </p:sp>
+      <p:sp>
+        <p:nvSpPr>
+          <p:cNvPr id="5" name="Slide Number Placeholder 4"/>
+          <p:cNvSpPr>
+            <a:spLocks noGrp="1"/>
+          </p:cNvSpPr>
+          <p:nvPr>
+            <p:ph type="sldNum" sz="quarter" idx="12"/>
+          </p:nvPr>
+        </p:nvSpPr>
+        <p:spPr/>
+        <p:txBody>
+          <a:bodyPr/>
+          <a:lstStyle/>
+          <a:p>
+            <a:fld id="{077AC1E5-108E-4B6A-BDB7-24AF8C6A3CB6}" type="slidenum">
+              <a:rPr lang="en-US" smtClean="0">
+                <a:solidFill>
+                  <a:prstClr val="black">
+                    <a:tint val="75000"/>
+                  </a:prstClr>
+                </a:solidFill>
+              </a:rPr>
+              <a:pPr/>
+              <a:t>‹#›</a:t>
+            </a:fld>
+            <a:endParaRPr lang="en-US">
+              <a:solidFill>
+                <a:prstClr val="black">
+                  <a:tint val="75000"/>
+                </a:prstClr>
+              </a:solidFill>
+            </a:endParaRPr>
+          </a:p>
+        </p:txBody>
+      </p:sp>
+    </p:spTree>
+    <p:extLst>
+      <p:ext uri="{BB962C8B-B14F-4D97-AF65-F5344CB8AC3E}">
+        <p14:creationId xmlns:p14="http://schemas.microsoft.com/office/powerpoint/2010/main" val="842733007"/>
+      </p:ext>
+    </p:extLst>
+  </p:cSld>
+  <p:clrMapOvr>
+    <a:masterClrMapping/>
+  </p:clrMapOvr>
+</p:sldLayout>
+</file>
+
+<file path=ppt/slideLayouts/slideLayout18.xml><?xml version="1.0" encoding="utf-8"?>
+<p:sldLayout xmlns:a="http://schemas.openxmlformats.org/drawingml/2006/main" xmlns:r="http://schemas.openxmlformats.org/officeDocument/2006/relationships" xmlns:p="http://schemas.openxmlformats.org/presentationml/2006/main" type="blank" preserve="1">
+  <p:cSld name="Blank">
+    <p:spTree>
+      <p:nvGrpSpPr>
+        <p:cNvPr id="1" name=""/>
+        <p:cNvGrpSpPr/>
+        <p:nvPr/>
+      </p:nvGrpSpPr>
+      <p:grpSpPr>
+        <a:xfrm>
+          <a:off x="0" y="0"/>
+          <a:ext cx="0" cy="0"/>
+          <a:chOff x="0" y="0"/>
+          <a:chExt cx="0" cy="0"/>
+        </a:xfrm>
+      </p:grpSpPr>
+      <p:sp>
+        <p:nvSpPr>
+          <p:cNvPr id="2" name="Date Placeholder 1"/>
+          <p:cNvSpPr>
+            <a:spLocks noGrp="1"/>
+          </p:cNvSpPr>
+          <p:nvPr>
+            <p:ph type="dt" sz="half" idx="10"/>
+          </p:nvPr>
+        </p:nvSpPr>
+        <p:spPr/>
+        <p:txBody>
+          <a:bodyPr/>
+          <a:lstStyle/>
+          <a:p>
+            <a:fld id="{65F3561B-D0E6-4069-B49A-AD807994F6D3}" type="datetimeFigureOut">
+              <a:rPr lang="en-US" smtClean="0">
+                <a:solidFill>
+                  <a:prstClr val="black">
+                    <a:tint val="75000"/>
+                  </a:prstClr>
+                </a:solidFill>
+              </a:rPr>
+              <a:pPr/>
+              <a:t>10/29/2017</a:t>
+            </a:fld>
+            <a:endParaRPr lang="en-US">
+              <a:solidFill>
+                <a:prstClr val="black">
+                  <a:tint val="75000"/>
+                </a:prstClr>
+              </a:solidFill>
+            </a:endParaRPr>
+          </a:p>
+        </p:txBody>
+      </p:sp>
+      <p:sp>
+        <p:nvSpPr>
+          <p:cNvPr id="3" name="Footer Placeholder 2"/>
+          <p:cNvSpPr>
+            <a:spLocks noGrp="1"/>
+          </p:cNvSpPr>
+          <p:nvPr>
+            <p:ph type="ftr" sz="quarter" idx="11"/>
+          </p:nvPr>
+        </p:nvSpPr>
+        <p:spPr/>
+        <p:txBody>
+          <a:bodyPr/>
+          <a:lstStyle/>
+          <a:p>
+            <a:endParaRPr lang="en-US">
+              <a:solidFill>
+                <a:prstClr val="black">
+                  <a:tint val="75000"/>
+                </a:prstClr>
+              </a:solidFill>
+            </a:endParaRPr>
+          </a:p>
+        </p:txBody>
+      </p:sp>
+      <p:sp>
+        <p:nvSpPr>
+          <p:cNvPr id="4" name="Slide Number Placeholder 3"/>
+          <p:cNvSpPr>
+            <a:spLocks noGrp="1"/>
+          </p:cNvSpPr>
+          <p:nvPr>
+            <p:ph type="sldNum" sz="quarter" idx="12"/>
+          </p:nvPr>
+        </p:nvSpPr>
+        <p:spPr/>
+        <p:txBody>
+          <a:bodyPr/>
+          <a:lstStyle/>
+          <a:p>
+            <a:fld id="{077AC1E5-108E-4B6A-BDB7-24AF8C6A3CB6}" type="slidenum">
+              <a:rPr lang="en-US" smtClean="0">
+                <a:solidFill>
+                  <a:prstClr val="black">
+                    <a:tint val="75000"/>
+                  </a:prstClr>
+                </a:solidFill>
+              </a:rPr>
+              <a:pPr/>
+              <a:t>‹#›</a:t>
+            </a:fld>
+            <a:endParaRPr lang="en-US">
+              <a:solidFill>
+                <a:prstClr val="black">
+                  <a:tint val="75000"/>
+                </a:prstClr>
+              </a:solidFill>
+            </a:endParaRPr>
+          </a:p>
+        </p:txBody>
+      </p:sp>
+    </p:spTree>
+    <p:extLst>
+      <p:ext uri="{BB962C8B-B14F-4D97-AF65-F5344CB8AC3E}">
+        <p14:creationId xmlns:p14="http://schemas.microsoft.com/office/powerpoint/2010/main" val="2004440524"/>
+      </p:ext>
+    </p:extLst>
+  </p:cSld>
+  <p:clrMapOvr>
+    <a:masterClrMapping/>
+  </p:clrMapOvr>
+</p:sldLayout>
+</file>
+
+<file path=ppt/slideLayouts/slideLayout19.xml><?xml version="1.0" encoding="utf-8"?>
+<p:sldLayout xmlns:a="http://schemas.openxmlformats.org/drawingml/2006/main" xmlns:r="http://schemas.openxmlformats.org/officeDocument/2006/relationships" xmlns:p="http://schemas.openxmlformats.org/presentationml/2006/main" type="objTx" preserve="1">
+  <p:cSld name="Content with Caption">
+    <p:spTree>
+      <p:nvGrpSpPr>
+        <p:cNvPr id="1" name=""/>
+        <p:cNvGrpSpPr/>
+        <p:nvPr/>
+      </p:nvGrpSpPr>
+      <p:grpSpPr>
+        <a:xfrm>
+          <a:off x="0" y="0"/>
+          <a:ext cx="0" cy="0"/>
+          <a:chOff x="0" y="0"/>
+          <a:chExt cx="0" cy="0"/>
+        </a:xfrm>
+      </p:grpSpPr>
+      <p:sp>
+        <p:nvSpPr>
+          <p:cNvPr id="2" name="Title 1"/>
+          <p:cNvSpPr>
+            <a:spLocks noGrp="1"/>
+          </p:cNvSpPr>
+          <p:nvPr>
+            <p:ph type="title"/>
+          </p:nvPr>
+        </p:nvSpPr>
+        <p:spPr>
+          <a:xfrm>
+            <a:off x="457200" y="273050"/>
+            <a:ext cx="3008313" cy="1162050"/>
+          </a:xfrm>
+        </p:spPr>
+        <p:txBody>
+          <a:bodyPr anchor="b"/>
+          <a:lstStyle>
+            <a:lvl1pPr algn="l">
+              <a:defRPr sz="2000" b="1"/>
+            </a:lvl1pPr>
+          </a:lstStyle>
+          <a:p>
+            <a:r>
+              <a:rPr lang="en-US" smtClean="0"/>
+              <a:t>Click to edit Master title style</a:t>
+            </a:r>
+            <a:endParaRPr lang="en-US"/>
+          </a:p>
+        </p:txBody>
+      </p:sp>
+      <p:sp>
+        <p:nvSpPr>
+          <p:cNvPr id="3" name="Content Placeholder 2"/>
+          <p:cNvSpPr>
+            <a:spLocks noGrp="1"/>
+          </p:cNvSpPr>
+          <p:nvPr>
+            <p:ph idx="1"/>
+          </p:nvPr>
+        </p:nvSpPr>
+        <p:spPr>
+          <a:xfrm>
+            <a:off x="3575050" y="273050"/>
+            <a:ext cx="5111750" cy="5853113"/>
+          </a:xfrm>
+        </p:spPr>
+        <p:txBody>
+          <a:bodyPr/>
+          <a:lstStyle>
+            <a:lvl1pPr>
+              <a:defRPr sz="3200"/>
+            </a:lvl1pPr>
+            <a:lvl2pPr>
+              <a:defRPr sz="2800"/>
+            </a:lvl2pPr>
+            <a:lvl3pPr>
+              <a:defRPr sz="2400"/>
+            </a:lvl3pPr>
+            <a:lvl4pPr>
+              <a:defRPr sz="2000"/>
+            </a:lvl4pPr>
+            <a:lvl5pPr>
+              <a:defRPr sz="2000"/>
+            </a:lvl5pPr>
+            <a:lvl6pPr>
+              <a:defRPr sz="2000"/>
+            </a:lvl6pPr>
+            <a:lvl7pPr>
+              <a:defRPr sz="2000"/>
+            </a:lvl7pPr>
+            <a:lvl8pPr>
+              <a:defRPr sz="2000"/>
+            </a:lvl8pPr>
+            <a:lvl9pPr>
+              <a:defRPr sz="2000"/>
+            </a:lvl9pPr>
+          </a:lstStyle>
+          <a:p>
+            <a:pPr lvl="0"/>
+            <a:r>
+              <a:rPr lang="en-US" smtClean="0"/>
+              <a:t>Click to edit Master text styles</a:t>
+            </a:r>
+          </a:p>
+          <a:p>
+            <a:pPr lvl="1"/>
+            <a:r>
+              <a:rPr lang="en-US" smtClean="0"/>
+              <a:t>Second level</a:t>
+            </a:r>
+          </a:p>
+          <a:p>
+            <a:pPr lvl="2"/>
+            <a:r>
+              <a:rPr lang="en-US" smtClean="0"/>
+              <a:t>Third level</a:t>
+            </a:r>
+          </a:p>
+          <a:p>
+            <a:pPr lvl="3"/>
+            <a:r>
+              <a:rPr lang="en-US" smtClean="0"/>
+              <a:t>Fourth level</a:t>
+            </a:r>
+          </a:p>
+          <a:p>
+            <a:pPr lvl="4"/>
+            <a:r>
+              <a:rPr lang="en-US" smtClean="0"/>
+              <a:t>Fifth level</a:t>
+            </a:r>
+            <a:endParaRPr lang="en-US"/>
+          </a:p>
+        </p:txBody>
+      </p:sp>
+      <p:sp>
+        <p:nvSpPr>
+          <p:cNvPr id="4" name="Text Placeholder 3"/>
+          <p:cNvSpPr>
+            <a:spLocks noGrp="1"/>
+          </p:cNvSpPr>
+          <p:nvPr>
+            <p:ph type="body" sz="half" idx="2"/>
+          </p:nvPr>
+        </p:nvSpPr>
+        <p:spPr>
+          <a:xfrm>
+            <a:off x="457200" y="1435100"/>
+            <a:ext cx="3008313" cy="4691063"/>
+          </a:xfrm>
+        </p:spPr>
+        <p:txBody>
+          <a:bodyPr/>
+          <a:lstStyle>
+            <a:lvl1pPr marL="0" indent="0">
+              <a:buNone/>
+              <a:defRPr sz="1400"/>
+            </a:lvl1pPr>
+            <a:lvl2pPr marL="457200" indent="0">
+              <a:buNone/>
+              <a:defRPr sz="1200"/>
+            </a:lvl2pPr>
+            <a:lvl3pPr marL="914400" indent="0">
+              <a:buNone/>
+              <a:defRPr sz="1000"/>
+            </a:lvl3pPr>
+            <a:lvl4pPr marL="1371600" indent="0">
+              <a:buNone/>
+              <a:defRPr sz="900"/>
+            </a:lvl4pPr>
+            <a:lvl5pPr marL="1828800" indent="0">
+              <a:buNone/>
+              <a:defRPr sz="900"/>
+            </a:lvl5pPr>
+            <a:lvl6pPr marL="2286000" indent="0">
+              <a:buNone/>
+              <a:defRPr sz="900"/>
+            </a:lvl6pPr>
+            <a:lvl7pPr marL="2743200" indent="0">
+              <a:buNone/>
+              <a:defRPr sz="900"/>
+            </a:lvl7pPr>
+            <a:lvl8pPr marL="3200400" indent="0">
+              <a:buNone/>
+              <a:defRPr sz="900"/>
+            </a:lvl8pPr>
+            <a:lvl9pPr marL="3657600" indent="0">
+              <a:buNone/>
+              <a:defRPr sz="900"/>
+            </a:lvl9pPr>
+          </a:lstStyle>
+          <a:p>
+            <a:pPr lvl="0"/>
+            <a:r>
+              <a:rPr lang="en-US" smtClean="0"/>
+              <a:t>Click to edit Master text styles</a:t>
+            </a:r>
+          </a:p>
+        </p:txBody>
+      </p:sp>
+      <p:sp>
+        <p:nvSpPr>
+          <p:cNvPr id="5" name="Date Placeholder 4"/>
+          <p:cNvSpPr>
+            <a:spLocks noGrp="1"/>
+          </p:cNvSpPr>
+          <p:nvPr>
+            <p:ph type="dt" sz="half" idx="10"/>
+          </p:nvPr>
+        </p:nvSpPr>
+        <p:spPr/>
+        <p:txBody>
+          <a:bodyPr/>
+          <a:lstStyle/>
+          <a:p>
+            <a:fld id="{65F3561B-D0E6-4069-B49A-AD807994F6D3}" type="datetimeFigureOut">
+              <a:rPr lang="en-US" smtClean="0">
+                <a:solidFill>
+                  <a:prstClr val="black">
+                    <a:tint val="75000"/>
+                  </a:prstClr>
+                </a:solidFill>
+              </a:rPr>
+              <a:pPr/>
+              <a:t>10/29/2017</a:t>
+            </a:fld>
+            <a:endParaRPr lang="en-US">
+              <a:solidFill>
+                <a:prstClr val="black">
+                  <a:tint val="75000"/>
+                </a:prstClr>
+              </a:solidFill>
+            </a:endParaRPr>
+          </a:p>
+        </p:txBody>
+      </p:sp>
+      <p:sp>
+        <p:nvSpPr>
+          <p:cNvPr id="6" name="Footer Placeholder 5"/>
+          <p:cNvSpPr>
+            <a:spLocks noGrp="1"/>
+          </p:cNvSpPr>
+          <p:nvPr>
+            <p:ph type="ftr" sz="quarter" idx="11"/>
+          </p:nvPr>
+        </p:nvSpPr>
+        <p:spPr/>
+        <p:txBody>
+          <a:bodyPr/>
+          <a:lstStyle/>
+          <a:p>
+            <a:endParaRPr lang="en-US">
+              <a:solidFill>
+                <a:prstClr val="black">
+                  <a:tint val="75000"/>
+                </a:prstClr>
+              </a:solidFill>
+            </a:endParaRPr>
+          </a:p>
+        </p:txBody>
+      </p:sp>
+      <p:sp>
+        <p:nvSpPr>
+          <p:cNvPr id="7" name="Slide Number Placeholder 6"/>
+          <p:cNvSpPr>
+            <a:spLocks noGrp="1"/>
+          </p:cNvSpPr>
+          <p:nvPr>
+            <p:ph type="sldNum" sz="quarter" idx="12"/>
+          </p:nvPr>
+        </p:nvSpPr>
+        <p:spPr/>
+        <p:txBody>
+          <a:bodyPr/>
+          <a:lstStyle/>
+          <a:p>
+            <a:fld id="{077AC1E5-108E-4B6A-BDB7-24AF8C6A3CB6}" type="slidenum">
+              <a:rPr lang="en-US" smtClean="0">
+                <a:solidFill>
+                  <a:prstClr val="black">
+                    <a:tint val="75000"/>
+                  </a:prstClr>
+                </a:solidFill>
+              </a:rPr>
+              <a:pPr/>
+              <a:t>‹#›</a:t>
+            </a:fld>
+            <a:endParaRPr lang="en-US">
+              <a:solidFill>
+                <a:prstClr val="black">
+                  <a:tint val="75000"/>
+                </a:prstClr>
+              </a:solidFill>
+            </a:endParaRPr>
+          </a:p>
+        </p:txBody>
+      </p:sp>
+    </p:spTree>
+    <p:extLst>
+      <p:ext uri="{BB962C8B-B14F-4D97-AF65-F5344CB8AC3E}">
+        <p14:creationId xmlns:p14="http://schemas.microsoft.com/office/powerpoint/2010/main" val="3877959965"/>
       </p:ext>
     </p:extLst>
   </p:cSld>
@@ -768,7 +2884,7 @@
           <a:p>
             <a:fld id="{CF8382E4-AA04-4ED8-BE49-96B2FDA13A17}" type="datetimeFigureOut">
               <a:rPr lang="sv-SE" smtClean="0"/>
-              <a:t>2017-10-28</a:t>
+              <a:t>2017-10-29</a:t>
             </a:fld>
             <a:endParaRPr lang="sv-SE"/>
           </a:p>
@@ -820,6 +2936,705 @@
     <p:extLst>
       <p:ext uri="{BB962C8B-B14F-4D97-AF65-F5344CB8AC3E}">
         <p14:creationId xmlns:p14="http://schemas.microsoft.com/office/powerpoint/2010/main" val="3192919387"/>
+      </p:ext>
+    </p:extLst>
+  </p:cSld>
+  <p:clrMapOvr>
+    <a:masterClrMapping/>
+  </p:clrMapOvr>
+</p:sldLayout>
+</file>
+
+<file path=ppt/slideLayouts/slideLayout20.xml><?xml version="1.0" encoding="utf-8"?>
+<p:sldLayout xmlns:a="http://schemas.openxmlformats.org/drawingml/2006/main" xmlns:r="http://schemas.openxmlformats.org/officeDocument/2006/relationships" xmlns:p="http://schemas.openxmlformats.org/presentationml/2006/main" type="picTx" preserve="1">
+  <p:cSld name="Picture with Caption">
+    <p:spTree>
+      <p:nvGrpSpPr>
+        <p:cNvPr id="1" name=""/>
+        <p:cNvGrpSpPr/>
+        <p:nvPr/>
+      </p:nvGrpSpPr>
+      <p:grpSpPr>
+        <a:xfrm>
+          <a:off x="0" y="0"/>
+          <a:ext cx="0" cy="0"/>
+          <a:chOff x="0" y="0"/>
+          <a:chExt cx="0" cy="0"/>
+        </a:xfrm>
+      </p:grpSpPr>
+      <p:sp>
+        <p:nvSpPr>
+          <p:cNvPr id="2" name="Title 1"/>
+          <p:cNvSpPr>
+            <a:spLocks noGrp="1"/>
+          </p:cNvSpPr>
+          <p:nvPr>
+            <p:ph type="title"/>
+          </p:nvPr>
+        </p:nvSpPr>
+        <p:spPr>
+          <a:xfrm>
+            <a:off x="1792288" y="4800600"/>
+            <a:ext cx="5486400" cy="566738"/>
+          </a:xfrm>
+        </p:spPr>
+        <p:txBody>
+          <a:bodyPr anchor="b"/>
+          <a:lstStyle>
+            <a:lvl1pPr algn="l">
+              <a:defRPr sz="2000" b="1"/>
+            </a:lvl1pPr>
+          </a:lstStyle>
+          <a:p>
+            <a:r>
+              <a:rPr lang="en-US" smtClean="0"/>
+              <a:t>Click to edit Master title style</a:t>
+            </a:r>
+            <a:endParaRPr lang="en-US"/>
+          </a:p>
+        </p:txBody>
+      </p:sp>
+      <p:sp>
+        <p:nvSpPr>
+          <p:cNvPr id="3" name="Picture Placeholder 2"/>
+          <p:cNvSpPr>
+            <a:spLocks noGrp="1"/>
+          </p:cNvSpPr>
+          <p:nvPr>
+            <p:ph type="pic" idx="1"/>
+          </p:nvPr>
+        </p:nvSpPr>
+        <p:spPr>
+          <a:xfrm>
+            <a:off x="1792288" y="612775"/>
+            <a:ext cx="5486400" cy="4114800"/>
+          </a:xfrm>
+        </p:spPr>
+        <p:txBody>
+          <a:bodyPr/>
+          <a:lstStyle>
+            <a:lvl1pPr marL="0" indent="0">
+              <a:buNone/>
+              <a:defRPr sz="3200"/>
+            </a:lvl1pPr>
+            <a:lvl2pPr marL="457200" indent="0">
+              <a:buNone/>
+              <a:defRPr sz="2800"/>
+            </a:lvl2pPr>
+            <a:lvl3pPr marL="914400" indent="0">
+              <a:buNone/>
+              <a:defRPr sz="2400"/>
+            </a:lvl3pPr>
+            <a:lvl4pPr marL="1371600" indent="0">
+              <a:buNone/>
+              <a:defRPr sz="2000"/>
+            </a:lvl4pPr>
+            <a:lvl5pPr marL="1828800" indent="0">
+              <a:buNone/>
+              <a:defRPr sz="2000"/>
+            </a:lvl5pPr>
+            <a:lvl6pPr marL="2286000" indent="0">
+              <a:buNone/>
+              <a:defRPr sz="2000"/>
+            </a:lvl6pPr>
+            <a:lvl7pPr marL="2743200" indent="0">
+              <a:buNone/>
+              <a:defRPr sz="2000"/>
+            </a:lvl7pPr>
+            <a:lvl8pPr marL="3200400" indent="0">
+              <a:buNone/>
+              <a:defRPr sz="2000"/>
+            </a:lvl8pPr>
+            <a:lvl9pPr marL="3657600" indent="0">
+              <a:buNone/>
+              <a:defRPr sz="2000"/>
+            </a:lvl9pPr>
+          </a:lstStyle>
+          <a:p>
+            <a:endParaRPr lang="en-US"/>
+          </a:p>
+        </p:txBody>
+      </p:sp>
+      <p:sp>
+        <p:nvSpPr>
+          <p:cNvPr id="4" name="Text Placeholder 3"/>
+          <p:cNvSpPr>
+            <a:spLocks noGrp="1"/>
+          </p:cNvSpPr>
+          <p:nvPr>
+            <p:ph type="body" sz="half" idx="2"/>
+          </p:nvPr>
+        </p:nvSpPr>
+        <p:spPr>
+          <a:xfrm>
+            <a:off x="1792288" y="5367338"/>
+            <a:ext cx="5486400" cy="804862"/>
+          </a:xfrm>
+        </p:spPr>
+        <p:txBody>
+          <a:bodyPr/>
+          <a:lstStyle>
+            <a:lvl1pPr marL="0" indent="0">
+              <a:buNone/>
+              <a:defRPr sz="1400"/>
+            </a:lvl1pPr>
+            <a:lvl2pPr marL="457200" indent="0">
+              <a:buNone/>
+              <a:defRPr sz="1200"/>
+            </a:lvl2pPr>
+            <a:lvl3pPr marL="914400" indent="0">
+              <a:buNone/>
+              <a:defRPr sz="1000"/>
+            </a:lvl3pPr>
+            <a:lvl4pPr marL="1371600" indent="0">
+              <a:buNone/>
+              <a:defRPr sz="900"/>
+            </a:lvl4pPr>
+            <a:lvl5pPr marL="1828800" indent="0">
+              <a:buNone/>
+              <a:defRPr sz="900"/>
+            </a:lvl5pPr>
+            <a:lvl6pPr marL="2286000" indent="0">
+              <a:buNone/>
+              <a:defRPr sz="900"/>
+            </a:lvl6pPr>
+            <a:lvl7pPr marL="2743200" indent="0">
+              <a:buNone/>
+              <a:defRPr sz="900"/>
+            </a:lvl7pPr>
+            <a:lvl8pPr marL="3200400" indent="0">
+              <a:buNone/>
+              <a:defRPr sz="900"/>
+            </a:lvl8pPr>
+            <a:lvl9pPr marL="3657600" indent="0">
+              <a:buNone/>
+              <a:defRPr sz="900"/>
+            </a:lvl9pPr>
+          </a:lstStyle>
+          <a:p>
+            <a:pPr lvl="0"/>
+            <a:r>
+              <a:rPr lang="en-US" smtClean="0"/>
+              <a:t>Click to edit Master text styles</a:t>
+            </a:r>
+          </a:p>
+        </p:txBody>
+      </p:sp>
+      <p:sp>
+        <p:nvSpPr>
+          <p:cNvPr id="5" name="Date Placeholder 4"/>
+          <p:cNvSpPr>
+            <a:spLocks noGrp="1"/>
+          </p:cNvSpPr>
+          <p:nvPr>
+            <p:ph type="dt" sz="half" idx="10"/>
+          </p:nvPr>
+        </p:nvSpPr>
+        <p:spPr/>
+        <p:txBody>
+          <a:bodyPr/>
+          <a:lstStyle/>
+          <a:p>
+            <a:fld id="{65F3561B-D0E6-4069-B49A-AD807994F6D3}" type="datetimeFigureOut">
+              <a:rPr lang="en-US" smtClean="0">
+                <a:solidFill>
+                  <a:prstClr val="black">
+                    <a:tint val="75000"/>
+                  </a:prstClr>
+                </a:solidFill>
+              </a:rPr>
+              <a:pPr/>
+              <a:t>10/29/2017</a:t>
+            </a:fld>
+            <a:endParaRPr lang="en-US">
+              <a:solidFill>
+                <a:prstClr val="black">
+                  <a:tint val="75000"/>
+                </a:prstClr>
+              </a:solidFill>
+            </a:endParaRPr>
+          </a:p>
+        </p:txBody>
+      </p:sp>
+      <p:sp>
+        <p:nvSpPr>
+          <p:cNvPr id="6" name="Footer Placeholder 5"/>
+          <p:cNvSpPr>
+            <a:spLocks noGrp="1"/>
+          </p:cNvSpPr>
+          <p:nvPr>
+            <p:ph type="ftr" sz="quarter" idx="11"/>
+          </p:nvPr>
+        </p:nvSpPr>
+        <p:spPr/>
+        <p:txBody>
+          <a:bodyPr/>
+          <a:lstStyle/>
+          <a:p>
+            <a:endParaRPr lang="en-US">
+              <a:solidFill>
+                <a:prstClr val="black">
+                  <a:tint val="75000"/>
+                </a:prstClr>
+              </a:solidFill>
+            </a:endParaRPr>
+          </a:p>
+        </p:txBody>
+      </p:sp>
+      <p:sp>
+        <p:nvSpPr>
+          <p:cNvPr id="7" name="Slide Number Placeholder 6"/>
+          <p:cNvSpPr>
+            <a:spLocks noGrp="1"/>
+          </p:cNvSpPr>
+          <p:nvPr>
+            <p:ph type="sldNum" sz="quarter" idx="12"/>
+          </p:nvPr>
+        </p:nvSpPr>
+        <p:spPr/>
+        <p:txBody>
+          <a:bodyPr/>
+          <a:lstStyle/>
+          <a:p>
+            <a:fld id="{077AC1E5-108E-4B6A-BDB7-24AF8C6A3CB6}" type="slidenum">
+              <a:rPr lang="en-US" smtClean="0">
+                <a:solidFill>
+                  <a:prstClr val="black">
+                    <a:tint val="75000"/>
+                  </a:prstClr>
+                </a:solidFill>
+              </a:rPr>
+              <a:pPr/>
+              <a:t>‹#›</a:t>
+            </a:fld>
+            <a:endParaRPr lang="en-US">
+              <a:solidFill>
+                <a:prstClr val="black">
+                  <a:tint val="75000"/>
+                </a:prstClr>
+              </a:solidFill>
+            </a:endParaRPr>
+          </a:p>
+        </p:txBody>
+      </p:sp>
+    </p:spTree>
+    <p:extLst>
+      <p:ext uri="{BB962C8B-B14F-4D97-AF65-F5344CB8AC3E}">
+        <p14:creationId xmlns:p14="http://schemas.microsoft.com/office/powerpoint/2010/main" val="3924993332"/>
+      </p:ext>
+    </p:extLst>
+  </p:cSld>
+  <p:clrMapOvr>
+    <a:masterClrMapping/>
+  </p:clrMapOvr>
+</p:sldLayout>
+</file>
+
+<file path=ppt/slideLayouts/slideLayout21.xml><?xml version="1.0" encoding="utf-8"?>
+<p:sldLayout xmlns:a="http://schemas.openxmlformats.org/drawingml/2006/main" xmlns:r="http://schemas.openxmlformats.org/officeDocument/2006/relationships" xmlns:p="http://schemas.openxmlformats.org/presentationml/2006/main" type="vertTx" preserve="1">
+  <p:cSld name="Title and Vertical Text">
+    <p:spTree>
+      <p:nvGrpSpPr>
+        <p:cNvPr id="1" name=""/>
+        <p:cNvGrpSpPr/>
+        <p:nvPr/>
+      </p:nvGrpSpPr>
+      <p:grpSpPr>
+        <a:xfrm>
+          <a:off x="0" y="0"/>
+          <a:ext cx="0" cy="0"/>
+          <a:chOff x="0" y="0"/>
+          <a:chExt cx="0" cy="0"/>
+        </a:xfrm>
+      </p:grpSpPr>
+      <p:sp>
+        <p:nvSpPr>
+          <p:cNvPr id="2" name="Title 1"/>
+          <p:cNvSpPr>
+            <a:spLocks noGrp="1"/>
+          </p:cNvSpPr>
+          <p:nvPr>
+            <p:ph type="title"/>
+          </p:nvPr>
+        </p:nvSpPr>
+        <p:spPr/>
+        <p:txBody>
+          <a:bodyPr/>
+          <a:lstStyle/>
+          <a:p>
+            <a:r>
+              <a:rPr lang="en-US" smtClean="0"/>
+              <a:t>Click to edit Master title style</a:t>
+            </a:r>
+            <a:endParaRPr lang="en-US"/>
+          </a:p>
+        </p:txBody>
+      </p:sp>
+      <p:sp>
+        <p:nvSpPr>
+          <p:cNvPr id="3" name="Vertical Text Placeholder 2"/>
+          <p:cNvSpPr>
+            <a:spLocks noGrp="1"/>
+          </p:cNvSpPr>
+          <p:nvPr>
+            <p:ph type="body" orient="vert" idx="1"/>
+          </p:nvPr>
+        </p:nvSpPr>
+        <p:spPr/>
+        <p:txBody>
+          <a:bodyPr vert="eaVert"/>
+          <a:lstStyle/>
+          <a:p>
+            <a:pPr lvl="0"/>
+            <a:r>
+              <a:rPr lang="en-US" smtClean="0"/>
+              <a:t>Click to edit Master text styles</a:t>
+            </a:r>
+          </a:p>
+          <a:p>
+            <a:pPr lvl="1"/>
+            <a:r>
+              <a:rPr lang="en-US" smtClean="0"/>
+              <a:t>Second level</a:t>
+            </a:r>
+          </a:p>
+          <a:p>
+            <a:pPr lvl="2"/>
+            <a:r>
+              <a:rPr lang="en-US" smtClean="0"/>
+              <a:t>Third level</a:t>
+            </a:r>
+          </a:p>
+          <a:p>
+            <a:pPr lvl="3"/>
+            <a:r>
+              <a:rPr lang="en-US" smtClean="0"/>
+              <a:t>Fourth level</a:t>
+            </a:r>
+          </a:p>
+          <a:p>
+            <a:pPr lvl="4"/>
+            <a:r>
+              <a:rPr lang="en-US" smtClean="0"/>
+              <a:t>Fifth level</a:t>
+            </a:r>
+            <a:endParaRPr lang="en-US"/>
+          </a:p>
+        </p:txBody>
+      </p:sp>
+      <p:sp>
+        <p:nvSpPr>
+          <p:cNvPr id="4" name="Date Placeholder 3"/>
+          <p:cNvSpPr>
+            <a:spLocks noGrp="1"/>
+          </p:cNvSpPr>
+          <p:nvPr>
+            <p:ph type="dt" sz="half" idx="10"/>
+          </p:nvPr>
+        </p:nvSpPr>
+        <p:spPr/>
+        <p:txBody>
+          <a:bodyPr/>
+          <a:lstStyle/>
+          <a:p>
+            <a:fld id="{65F3561B-D0E6-4069-B49A-AD807994F6D3}" type="datetimeFigureOut">
+              <a:rPr lang="en-US" smtClean="0">
+                <a:solidFill>
+                  <a:prstClr val="black">
+                    <a:tint val="75000"/>
+                  </a:prstClr>
+                </a:solidFill>
+              </a:rPr>
+              <a:pPr/>
+              <a:t>10/29/2017</a:t>
+            </a:fld>
+            <a:endParaRPr lang="en-US">
+              <a:solidFill>
+                <a:prstClr val="black">
+                  <a:tint val="75000"/>
+                </a:prstClr>
+              </a:solidFill>
+            </a:endParaRPr>
+          </a:p>
+        </p:txBody>
+      </p:sp>
+      <p:sp>
+        <p:nvSpPr>
+          <p:cNvPr id="5" name="Footer Placeholder 4"/>
+          <p:cNvSpPr>
+            <a:spLocks noGrp="1"/>
+          </p:cNvSpPr>
+          <p:nvPr>
+            <p:ph type="ftr" sz="quarter" idx="11"/>
+          </p:nvPr>
+        </p:nvSpPr>
+        <p:spPr/>
+        <p:txBody>
+          <a:bodyPr/>
+          <a:lstStyle/>
+          <a:p>
+            <a:endParaRPr lang="en-US">
+              <a:solidFill>
+                <a:prstClr val="black">
+                  <a:tint val="75000"/>
+                </a:prstClr>
+              </a:solidFill>
+            </a:endParaRPr>
+          </a:p>
+        </p:txBody>
+      </p:sp>
+      <p:sp>
+        <p:nvSpPr>
+          <p:cNvPr id="6" name="Slide Number Placeholder 5"/>
+          <p:cNvSpPr>
+            <a:spLocks noGrp="1"/>
+          </p:cNvSpPr>
+          <p:nvPr>
+            <p:ph type="sldNum" sz="quarter" idx="12"/>
+          </p:nvPr>
+        </p:nvSpPr>
+        <p:spPr/>
+        <p:txBody>
+          <a:bodyPr/>
+          <a:lstStyle/>
+          <a:p>
+            <a:fld id="{077AC1E5-108E-4B6A-BDB7-24AF8C6A3CB6}" type="slidenum">
+              <a:rPr lang="en-US" smtClean="0">
+                <a:solidFill>
+                  <a:prstClr val="black">
+                    <a:tint val="75000"/>
+                  </a:prstClr>
+                </a:solidFill>
+              </a:rPr>
+              <a:pPr/>
+              <a:t>‹#›</a:t>
+            </a:fld>
+            <a:endParaRPr lang="en-US">
+              <a:solidFill>
+                <a:prstClr val="black">
+                  <a:tint val="75000"/>
+                </a:prstClr>
+              </a:solidFill>
+            </a:endParaRPr>
+          </a:p>
+        </p:txBody>
+      </p:sp>
+    </p:spTree>
+    <p:extLst>
+      <p:ext uri="{BB962C8B-B14F-4D97-AF65-F5344CB8AC3E}">
+        <p14:creationId xmlns:p14="http://schemas.microsoft.com/office/powerpoint/2010/main" val="199327980"/>
+      </p:ext>
+    </p:extLst>
+  </p:cSld>
+  <p:clrMapOvr>
+    <a:masterClrMapping/>
+  </p:clrMapOvr>
+</p:sldLayout>
+</file>
+
+<file path=ppt/slideLayouts/slideLayout22.xml><?xml version="1.0" encoding="utf-8"?>
+<p:sldLayout xmlns:a="http://schemas.openxmlformats.org/drawingml/2006/main" xmlns:r="http://schemas.openxmlformats.org/officeDocument/2006/relationships" xmlns:p="http://schemas.openxmlformats.org/presentationml/2006/main" type="vertTitleAndTx" preserve="1">
+  <p:cSld name="Vertical Title and Text">
+    <p:spTree>
+      <p:nvGrpSpPr>
+        <p:cNvPr id="1" name=""/>
+        <p:cNvGrpSpPr/>
+        <p:nvPr/>
+      </p:nvGrpSpPr>
+      <p:grpSpPr>
+        <a:xfrm>
+          <a:off x="0" y="0"/>
+          <a:ext cx="0" cy="0"/>
+          <a:chOff x="0" y="0"/>
+          <a:chExt cx="0" cy="0"/>
+        </a:xfrm>
+      </p:grpSpPr>
+      <p:sp>
+        <p:nvSpPr>
+          <p:cNvPr id="2" name="Vertical Title 1"/>
+          <p:cNvSpPr>
+            <a:spLocks noGrp="1"/>
+          </p:cNvSpPr>
+          <p:nvPr>
+            <p:ph type="title" orient="vert"/>
+          </p:nvPr>
+        </p:nvSpPr>
+        <p:spPr>
+          <a:xfrm>
+            <a:off x="6629400" y="274638"/>
+            <a:ext cx="2057400" cy="5851525"/>
+          </a:xfrm>
+        </p:spPr>
+        <p:txBody>
+          <a:bodyPr vert="eaVert"/>
+          <a:lstStyle/>
+          <a:p>
+            <a:r>
+              <a:rPr lang="en-US" smtClean="0"/>
+              <a:t>Click to edit Master title style</a:t>
+            </a:r>
+            <a:endParaRPr lang="en-US"/>
+          </a:p>
+        </p:txBody>
+      </p:sp>
+      <p:sp>
+        <p:nvSpPr>
+          <p:cNvPr id="3" name="Vertical Text Placeholder 2"/>
+          <p:cNvSpPr>
+            <a:spLocks noGrp="1"/>
+          </p:cNvSpPr>
+          <p:nvPr>
+            <p:ph type="body" orient="vert" idx="1"/>
+          </p:nvPr>
+        </p:nvSpPr>
+        <p:spPr>
+          <a:xfrm>
+            <a:off x="457200" y="274638"/>
+            <a:ext cx="6019800" cy="5851525"/>
+          </a:xfrm>
+        </p:spPr>
+        <p:txBody>
+          <a:bodyPr vert="eaVert"/>
+          <a:lstStyle/>
+          <a:p>
+            <a:pPr lvl="0"/>
+            <a:r>
+              <a:rPr lang="en-US" smtClean="0"/>
+              <a:t>Click to edit Master text styles</a:t>
+            </a:r>
+          </a:p>
+          <a:p>
+            <a:pPr lvl="1"/>
+            <a:r>
+              <a:rPr lang="en-US" smtClean="0"/>
+              <a:t>Second level</a:t>
+            </a:r>
+          </a:p>
+          <a:p>
+            <a:pPr lvl="2"/>
+            <a:r>
+              <a:rPr lang="en-US" smtClean="0"/>
+              <a:t>Third level</a:t>
+            </a:r>
+          </a:p>
+          <a:p>
+            <a:pPr lvl="3"/>
+            <a:r>
+              <a:rPr lang="en-US" smtClean="0"/>
+              <a:t>Fourth level</a:t>
+            </a:r>
+          </a:p>
+          <a:p>
+            <a:pPr lvl="4"/>
+            <a:r>
+              <a:rPr lang="en-US" smtClean="0"/>
+              <a:t>Fifth level</a:t>
+            </a:r>
+            <a:endParaRPr lang="en-US"/>
+          </a:p>
+        </p:txBody>
+      </p:sp>
+      <p:sp>
+        <p:nvSpPr>
+          <p:cNvPr id="4" name="Date Placeholder 3"/>
+          <p:cNvSpPr>
+            <a:spLocks noGrp="1"/>
+          </p:cNvSpPr>
+          <p:nvPr>
+            <p:ph type="dt" sz="half" idx="10"/>
+          </p:nvPr>
+        </p:nvSpPr>
+        <p:spPr/>
+        <p:txBody>
+          <a:bodyPr/>
+          <a:lstStyle/>
+          <a:p>
+            <a:fld id="{65F3561B-D0E6-4069-B49A-AD807994F6D3}" type="datetimeFigureOut">
+              <a:rPr lang="en-US" smtClean="0">
+                <a:solidFill>
+                  <a:prstClr val="black">
+                    <a:tint val="75000"/>
+                  </a:prstClr>
+                </a:solidFill>
+              </a:rPr>
+              <a:pPr/>
+              <a:t>10/29/2017</a:t>
+            </a:fld>
+            <a:endParaRPr lang="en-US">
+              <a:solidFill>
+                <a:prstClr val="black">
+                  <a:tint val="75000"/>
+                </a:prstClr>
+              </a:solidFill>
+            </a:endParaRPr>
+          </a:p>
+        </p:txBody>
+      </p:sp>
+      <p:sp>
+        <p:nvSpPr>
+          <p:cNvPr id="5" name="Footer Placeholder 4"/>
+          <p:cNvSpPr>
+            <a:spLocks noGrp="1"/>
+          </p:cNvSpPr>
+          <p:nvPr>
+            <p:ph type="ftr" sz="quarter" idx="11"/>
+          </p:nvPr>
+        </p:nvSpPr>
+        <p:spPr/>
+        <p:txBody>
+          <a:bodyPr/>
+          <a:lstStyle/>
+          <a:p>
+            <a:endParaRPr lang="en-US">
+              <a:solidFill>
+                <a:prstClr val="black">
+                  <a:tint val="75000"/>
+                </a:prstClr>
+              </a:solidFill>
+            </a:endParaRPr>
+          </a:p>
+        </p:txBody>
+      </p:sp>
+      <p:sp>
+        <p:nvSpPr>
+          <p:cNvPr id="6" name="Slide Number Placeholder 5"/>
+          <p:cNvSpPr>
+            <a:spLocks noGrp="1"/>
+          </p:cNvSpPr>
+          <p:nvPr>
+            <p:ph type="sldNum" sz="quarter" idx="12"/>
+          </p:nvPr>
+        </p:nvSpPr>
+        <p:spPr/>
+        <p:txBody>
+          <a:bodyPr/>
+          <a:lstStyle/>
+          <a:p>
+            <a:fld id="{077AC1E5-108E-4B6A-BDB7-24AF8C6A3CB6}" type="slidenum">
+              <a:rPr lang="en-US" smtClean="0">
+                <a:solidFill>
+                  <a:prstClr val="black">
+                    <a:tint val="75000"/>
+                  </a:prstClr>
+                </a:solidFill>
+              </a:rPr>
+              <a:pPr/>
+              <a:t>‹#›</a:t>
+            </a:fld>
+            <a:endParaRPr lang="en-US">
+              <a:solidFill>
+                <a:prstClr val="black">
+                  <a:tint val="75000"/>
+                </a:prstClr>
+              </a:solidFill>
+            </a:endParaRPr>
+          </a:p>
+        </p:txBody>
+      </p:sp>
+    </p:spTree>
+    <p:extLst>
+      <p:ext uri="{BB962C8B-B14F-4D97-AF65-F5344CB8AC3E}">
+        <p14:creationId xmlns:p14="http://schemas.microsoft.com/office/powerpoint/2010/main" val="4285167541"/>
       </p:ext>
     </p:extLst>
   </p:cSld>
@@ -1012,7 +3827,7 @@
           <a:p>
             <a:fld id="{CF8382E4-AA04-4ED8-BE49-96B2FDA13A17}" type="datetimeFigureOut">
               <a:rPr lang="sv-SE" smtClean="0"/>
-              <a:t>2017-10-28</a:t>
+              <a:t>2017-10-29</a:t>
             </a:fld>
             <a:endParaRPr lang="sv-SE"/>
           </a:p>
@@ -1244,7 +4059,7 @@
           <a:p>
             <a:fld id="{CF8382E4-AA04-4ED8-BE49-96B2FDA13A17}" type="datetimeFigureOut">
               <a:rPr lang="sv-SE" smtClean="0"/>
-              <a:t>2017-10-28</a:t>
+              <a:t>2017-10-29</a:t>
             </a:fld>
             <a:endParaRPr lang="sv-SE"/>
           </a:p>
@@ -1611,7 +4426,7 @@
           <a:p>
             <a:fld id="{CF8382E4-AA04-4ED8-BE49-96B2FDA13A17}" type="datetimeFigureOut">
               <a:rPr lang="sv-SE" smtClean="0"/>
-              <a:t>2017-10-28</a:t>
+              <a:t>2017-10-29</a:t>
             </a:fld>
             <a:endParaRPr lang="sv-SE"/>
           </a:p>
@@ -1729,7 +4544,7 @@
           <a:p>
             <a:fld id="{CF8382E4-AA04-4ED8-BE49-96B2FDA13A17}" type="datetimeFigureOut">
               <a:rPr lang="sv-SE" smtClean="0"/>
-              <a:t>2017-10-28</a:t>
+              <a:t>2017-10-29</a:t>
             </a:fld>
             <a:endParaRPr lang="sv-SE"/>
           </a:p>
@@ -1824,7 +4639,7 @@
           <a:p>
             <a:fld id="{CF8382E4-AA04-4ED8-BE49-96B2FDA13A17}" type="datetimeFigureOut">
               <a:rPr lang="sv-SE" smtClean="0"/>
-              <a:t>2017-10-28</a:t>
+              <a:t>2017-10-29</a:t>
             </a:fld>
             <a:endParaRPr lang="sv-SE"/>
           </a:p>
@@ -2101,7 +4916,7 @@
           <a:p>
             <a:fld id="{CF8382E4-AA04-4ED8-BE49-96B2FDA13A17}" type="datetimeFigureOut">
               <a:rPr lang="sv-SE" smtClean="0"/>
-              <a:t>2017-10-28</a:t>
+              <a:t>2017-10-29</a:t>
             </a:fld>
             <a:endParaRPr lang="sv-SE"/>
           </a:p>
@@ -2358,7 +5173,7 @@
           <a:p>
             <a:fld id="{CF8382E4-AA04-4ED8-BE49-96B2FDA13A17}" type="datetimeFigureOut">
               <a:rPr lang="sv-SE" smtClean="0"/>
-              <a:t>2017-10-28</a:t>
+              <a:t>2017-10-29</a:t>
             </a:fld>
             <a:endParaRPr lang="sv-SE"/>
           </a:p>
@@ -2571,7 +5386,7 @@
           <a:p>
             <a:fld id="{CF8382E4-AA04-4ED8-BE49-96B2FDA13A17}" type="datetimeFigureOut">
               <a:rPr lang="sv-SE" smtClean="0"/>
-              <a:t>2017-10-28</a:t>
+              <a:t>2017-10-29</a:t>
             </a:fld>
             <a:endParaRPr lang="sv-SE"/>
           </a:p>
@@ -2959,6 +5774,591 @@
 </p:sldMaster>
 </file>
 
+<file path=ppt/slideMasters/slideMaster2.xml><?xml version="1.0" encoding="utf-8"?>
+<p:sldMaster xmlns:a="http://schemas.openxmlformats.org/drawingml/2006/main" xmlns:r="http://schemas.openxmlformats.org/officeDocument/2006/relationships" xmlns:p="http://schemas.openxmlformats.org/presentationml/2006/main">
+  <p:cSld>
+    <p:bg>
+      <p:bgRef idx="1001">
+        <a:schemeClr val="bg1"/>
+      </p:bgRef>
+    </p:bg>
+    <p:spTree>
+      <p:nvGrpSpPr>
+        <p:cNvPr id="1" name=""/>
+        <p:cNvGrpSpPr/>
+        <p:nvPr/>
+      </p:nvGrpSpPr>
+      <p:grpSpPr>
+        <a:xfrm>
+          <a:off x="0" y="0"/>
+          <a:ext cx="0" cy="0"/>
+          <a:chOff x="0" y="0"/>
+          <a:chExt cx="0" cy="0"/>
+        </a:xfrm>
+      </p:grpSpPr>
+      <p:sp>
+        <p:nvSpPr>
+          <p:cNvPr id="2" name="Title Placeholder 1"/>
+          <p:cNvSpPr>
+            <a:spLocks noGrp="1"/>
+          </p:cNvSpPr>
+          <p:nvPr>
+            <p:ph type="title"/>
+          </p:nvPr>
+        </p:nvSpPr>
+        <p:spPr>
+          <a:xfrm>
+            <a:off x="457200" y="274638"/>
+            <a:ext cx="8229600" cy="1143000"/>
+          </a:xfrm>
+          <a:prstGeom prst="rect">
+            <a:avLst/>
+          </a:prstGeom>
+        </p:spPr>
+        <p:txBody>
+          <a:bodyPr vert="horz" lIns="91440" tIns="45720" rIns="91440" bIns="45720" rtlCol="0" anchor="ctr">
+            <a:normAutofit/>
+          </a:bodyPr>
+          <a:lstStyle/>
+          <a:p>
+            <a:r>
+              <a:rPr lang="en-US" smtClean="0"/>
+              <a:t>Click to edit Master title style</a:t>
+            </a:r>
+            <a:endParaRPr lang="en-US"/>
+          </a:p>
+        </p:txBody>
+      </p:sp>
+      <p:sp>
+        <p:nvSpPr>
+          <p:cNvPr id="3" name="Text Placeholder 2"/>
+          <p:cNvSpPr>
+            <a:spLocks noGrp="1"/>
+          </p:cNvSpPr>
+          <p:nvPr>
+            <p:ph type="body" idx="1"/>
+          </p:nvPr>
+        </p:nvSpPr>
+        <p:spPr>
+          <a:xfrm>
+            <a:off x="457200" y="1600200"/>
+            <a:ext cx="8229600" cy="4525963"/>
+          </a:xfrm>
+          <a:prstGeom prst="rect">
+            <a:avLst/>
+          </a:prstGeom>
+        </p:spPr>
+        <p:txBody>
+          <a:bodyPr vert="horz" lIns="91440" tIns="45720" rIns="91440" bIns="45720" rtlCol="0">
+            <a:normAutofit/>
+          </a:bodyPr>
+          <a:lstStyle/>
+          <a:p>
+            <a:pPr lvl="0"/>
+            <a:r>
+              <a:rPr lang="en-US" smtClean="0"/>
+              <a:t>Click to edit Master text styles</a:t>
+            </a:r>
+          </a:p>
+          <a:p>
+            <a:pPr lvl="1"/>
+            <a:r>
+              <a:rPr lang="en-US" smtClean="0"/>
+              <a:t>Second level</a:t>
+            </a:r>
+          </a:p>
+          <a:p>
+            <a:pPr lvl="2"/>
+            <a:r>
+              <a:rPr lang="en-US" smtClean="0"/>
+              <a:t>Third level</a:t>
+            </a:r>
+          </a:p>
+          <a:p>
+            <a:pPr lvl="3"/>
+            <a:r>
+              <a:rPr lang="en-US" smtClean="0"/>
+              <a:t>Fourth level</a:t>
+            </a:r>
+          </a:p>
+          <a:p>
+            <a:pPr lvl="4"/>
+            <a:r>
+              <a:rPr lang="en-US" smtClean="0"/>
+              <a:t>Fifth level</a:t>
+            </a:r>
+            <a:endParaRPr lang="en-US"/>
+          </a:p>
+        </p:txBody>
+      </p:sp>
+      <p:sp>
+        <p:nvSpPr>
+          <p:cNvPr id="4" name="Date Placeholder 3"/>
+          <p:cNvSpPr>
+            <a:spLocks noGrp="1"/>
+          </p:cNvSpPr>
+          <p:nvPr>
+            <p:ph type="dt" sz="half" idx="2"/>
+          </p:nvPr>
+        </p:nvSpPr>
+        <p:spPr>
+          <a:xfrm>
+            <a:off x="457200" y="6356350"/>
+            <a:ext cx="2133600" cy="365125"/>
+          </a:xfrm>
+          <a:prstGeom prst="rect">
+            <a:avLst/>
+          </a:prstGeom>
+        </p:spPr>
+        <p:txBody>
+          <a:bodyPr vert="horz" lIns="91440" tIns="45720" rIns="91440" bIns="45720" rtlCol="0" anchor="ctr"/>
+          <a:lstStyle>
+            <a:lvl1pPr algn="l">
+              <a:defRPr sz="1200">
+                <a:solidFill>
+                  <a:schemeClr val="tx1">
+                    <a:tint val="75000"/>
+                  </a:schemeClr>
+                </a:solidFill>
+              </a:defRPr>
+            </a:lvl1pPr>
+          </a:lstStyle>
+          <a:p>
+            <a:pPr eaLnBrk="1" fontAlgn="auto" hangingPunct="1">
+              <a:spcBef>
+                <a:spcPts val="0"/>
+              </a:spcBef>
+              <a:spcAft>
+                <a:spcPts val="0"/>
+              </a:spcAft>
+            </a:pPr>
+            <a:fld id="{65F3561B-D0E6-4069-B49A-AD807994F6D3}" type="datetimeFigureOut">
+              <a:rPr lang="en-US" smtClean="0">
+                <a:solidFill>
+                  <a:prstClr val="black">
+                    <a:tint val="75000"/>
+                  </a:prstClr>
+                </a:solidFill>
+                <a:latin typeface="Calibri"/>
+              </a:rPr>
+              <a:pPr eaLnBrk="1" fontAlgn="auto" hangingPunct="1">
+                <a:spcBef>
+                  <a:spcPts val="0"/>
+                </a:spcBef>
+                <a:spcAft>
+                  <a:spcPts val="0"/>
+                </a:spcAft>
+              </a:pPr>
+              <a:t>10/29/2017</a:t>
+            </a:fld>
+            <a:endParaRPr lang="en-US">
+              <a:solidFill>
+                <a:prstClr val="black">
+                  <a:tint val="75000"/>
+                </a:prstClr>
+              </a:solidFill>
+              <a:latin typeface="Calibri"/>
+            </a:endParaRPr>
+          </a:p>
+        </p:txBody>
+      </p:sp>
+      <p:sp>
+        <p:nvSpPr>
+          <p:cNvPr id="5" name="Footer Placeholder 4"/>
+          <p:cNvSpPr>
+            <a:spLocks noGrp="1"/>
+          </p:cNvSpPr>
+          <p:nvPr>
+            <p:ph type="ftr" sz="quarter" idx="3"/>
+          </p:nvPr>
+        </p:nvSpPr>
+        <p:spPr>
+          <a:xfrm>
+            <a:off x="3124200" y="6356350"/>
+            <a:ext cx="2895600" cy="365125"/>
+          </a:xfrm>
+          <a:prstGeom prst="rect">
+            <a:avLst/>
+          </a:prstGeom>
+        </p:spPr>
+        <p:txBody>
+          <a:bodyPr vert="horz" lIns="91440" tIns="45720" rIns="91440" bIns="45720" rtlCol="0" anchor="ctr"/>
+          <a:lstStyle>
+            <a:lvl1pPr algn="ctr">
+              <a:defRPr sz="1200">
+                <a:solidFill>
+                  <a:schemeClr val="tx1">
+                    <a:tint val="75000"/>
+                  </a:schemeClr>
+                </a:solidFill>
+              </a:defRPr>
+            </a:lvl1pPr>
+          </a:lstStyle>
+          <a:p>
+            <a:pPr eaLnBrk="1" fontAlgn="auto" hangingPunct="1">
+              <a:spcBef>
+                <a:spcPts val="0"/>
+              </a:spcBef>
+              <a:spcAft>
+                <a:spcPts val="0"/>
+              </a:spcAft>
+            </a:pPr>
+            <a:endParaRPr lang="en-US">
+              <a:solidFill>
+                <a:prstClr val="black">
+                  <a:tint val="75000"/>
+                </a:prstClr>
+              </a:solidFill>
+              <a:latin typeface="Calibri"/>
+            </a:endParaRPr>
+          </a:p>
+        </p:txBody>
+      </p:sp>
+      <p:sp>
+        <p:nvSpPr>
+          <p:cNvPr id="6" name="Slide Number Placeholder 5"/>
+          <p:cNvSpPr>
+            <a:spLocks noGrp="1"/>
+          </p:cNvSpPr>
+          <p:nvPr>
+            <p:ph type="sldNum" sz="quarter" idx="4"/>
+          </p:nvPr>
+        </p:nvSpPr>
+        <p:spPr>
+          <a:xfrm>
+            <a:off x="6553200" y="6356350"/>
+            <a:ext cx="2133600" cy="365125"/>
+          </a:xfrm>
+          <a:prstGeom prst="rect">
+            <a:avLst/>
+          </a:prstGeom>
+        </p:spPr>
+        <p:txBody>
+          <a:bodyPr vert="horz" lIns="91440" tIns="45720" rIns="91440" bIns="45720" rtlCol="0" anchor="ctr"/>
+          <a:lstStyle>
+            <a:lvl1pPr algn="r">
+              <a:defRPr sz="1200">
+                <a:solidFill>
+                  <a:schemeClr val="tx1">
+                    <a:tint val="75000"/>
+                  </a:schemeClr>
+                </a:solidFill>
+              </a:defRPr>
+            </a:lvl1pPr>
+          </a:lstStyle>
+          <a:p>
+            <a:pPr eaLnBrk="1" fontAlgn="auto" hangingPunct="1">
+              <a:spcBef>
+                <a:spcPts val="0"/>
+              </a:spcBef>
+              <a:spcAft>
+                <a:spcPts val="0"/>
+              </a:spcAft>
+            </a:pPr>
+            <a:fld id="{077AC1E5-108E-4B6A-BDB7-24AF8C6A3CB6}" type="slidenum">
+              <a:rPr lang="en-US" smtClean="0">
+                <a:solidFill>
+                  <a:prstClr val="black">
+                    <a:tint val="75000"/>
+                  </a:prstClr>
+                </a:solidFill>
+                <a:latin typeface="Calibri"/>
+              </a:rPr>
+              <a:pPr eaLnBrk="1" fontAlgn="auto" hangingPunct="1">
+                <a:spcBef>
+                  <a:spcPts val="0"/>
+                </a:spcBef>
+                <a:spcAft>
+                  <a:spcPts val="0"/>
+                </a:spcAft>
+              </a:pPr>
+              <a:t>‹#›</a:t>
+            </a:fld>
+            <a:endParaRPr lang="en-US">
+              <a:solidFill>
+                <a:prstClr val="black">
+                  <a:tint val="75000"/>
+                </a:prstClr>
+              </a:solidFill>
+              <a:latin typeface="Calibri"/>
+            </a:endParaRPr>
+          </a:p>
+        </p:txBody>
+      </p:sp>
+    </p:spTree>
+    <p:extLst>
+      <p:ext uri="{BB962C8B-B14F-4D97-AF65-F5344CB8AC3E}">
+        <p14:creationId xmlns:p14="http://schemas.microsoft.com/office/powerpoint/2010/main" val="1031448803"/>
+      </p:ext>
+    </p:extLst>
+  </p:cSld>
+  <p:clrMap bg1="lt1" tx1="dk1" bg2="lt2" tx2="dk2" accent1="accent1" accent2="accent2" accent3="accent3" accent4="accent4" accent5="accent5" accent6="accent6" hlink="hlink" folHlink="folHlink"/>
+  <p:sldLayoutIdLst>
+    <p:sldLayoutId id="2147483673" r:id="rId1"/>
+    <p:sldLayoutId id="2147483674" r:id="rId2"/>
+    <p:sldLayoutId id="2147483675" r:id="rId3"/>
+    <p:sldLayoutId id="2147483676" r:id="rId4"/>
+    <p:sldLayoutId id="2147483677" r:id="rId5"/>
+    <p:sldLayoutId id="2147483678" r:id="rId6"/>
+    <p:sldLayoutId id="2147483679" r:id="rId7"/>
+    <p:sldLayoutId id="2147483680" r:id="rId8"/>
+    <p:sldLayoutId id="2147483681" r:id="rId9"/>
+    <p:sldLayoutId id="2147483682" r:id="rId10"/>
+    <p:sldLayoutId id="2147483683" r:id="rId11"/>
+  </p:sldLayoutIdLst>
+  <p:txStyles>
+    <p:titleStyle>
+      <a:lvl1pPr algn="ctr" defTabSz="914400" rtl="0" eaLnBrk="1" latinLnBrk="0" hangingPunct="1">
+        <a:spcBef>
+          <a:spcPct val="0"/>
+        </a:spcBef>
+        <a:buNone/>
+        <a:defRPr sz="4400" kern="1200">
+          <a:solidFill>
+            <a:schemeClr val="tx1"/>
+          </a:solidFill>
+          <a:latin typeface="+mj-lt"/>
+          <a:ea typeface="+mj-ea"/>
+          <a:cs typeface="+mj-cs"/>
+        </a:defRPr>
+      </a:lvl1pPr>
+    </p:titleStyle>
+    <p:bodyStyle>
+      <a:lvl1pPr marL="342900" indent="-342900" algn="l" defTabSz="914400" rtl="0" eaLnBrk="1" latinLnBrk="0" hangingPunct="1">
+        <a:spcBef>
+          <a:spcPct val="20000"/>
+        </a:spcBef>
+        <a:buFont typeface="Arial" panose="020B0604020202020204" pitchFamily="34" charset="0"/>
+        <a:buChar char="•"/>
+        <a:defRPr sz="3200" kern="1200">
+          <a:solidFill>
+            <a:schemeClr val="tx1"/>
+          </a:solidFill>
+          <a:latin typeface="+mn-lt"/>
+          <a:ea typeface="+mn-ea"/>
+          <a:cs typeface="+mn-cs"/>
+        </a:defRPr>
+      </a:lvl1pPr>
+      <a:lvl2pPr marL="742950" indent="-285750" algn="l" defTabSz="914400" rtl="0" eaLnBrk="1" latinLnBrk="0" hangingPunct="1">
+        <a:spcBef>
+          <a:spcPct val="20000"/>
+        </a:spcBef>
+        <a:buFont typeface="Arial" panose="020B0604020202020204" pitchFamily="34" charset="0"/>
+        <a:buChar char="–"/>
+        <a:defRPr sz="2800" kern="1200">
+          <a:solidFill>
+            <a:schemeClr val="tx1"/>
+          </a:solidFill>
+          <a:latin typeface="+mn-lt"/>
+          <a:ea typeface="+mn-ea"/>
+          <a:cs typeface="+mn-cs"/>
+        </a:defRPr>
+      </a:lvl2pPr>
+      <a:lvl3pPr marL="1143000" indent="-228600" algn="l" defTabSz="914400" rtl="0" eaLnBrk="1" latinLnBrk="0" hangingPunct="1">
+        <a:spcBef>
+          <a:spcPct val="20000"/>
+        </a:spcBef>
+        <a:buFont typeface="Arial" panose="020B0604020202020204" pitchFamily="34" charset="0"/>
+        <a:buChar char="•"/>
+        <a:defRPr sz="2400" kern="1200">
+          <a:solidFill>
+            <a:schemeClr val="tx1"/>
+          </a:solidFill>
+          <a:latin typeface="+mn-lt"/>
+          <a:ea typeface="+mn-ea"/>
+          <a:cs typeface="+mn-cs"/>
+        </a:defRPr>
+      </a:lvl3pPr>
+      <a:lvl4pPr marL="1600200" indent="-228600" algn="l" defTabSz="914400" rtl="0" eaLnBrk="1" latinLnBrk="0" hangingPunct="1">
+        <a:spcBef>
+          <a:spcPct val="20000"/>
+        </a:spcBef>
+        <a:buFont typeface="Arial" panose="020B0604020202020204" pitchFamily="34" charset="0"/>
+        <a:buChar char="–"/>
+        <a:defRPr sz="2000" kern="1200">
+          <a:solidFill>
+            <a:schemeClr val="tx1"/>
+          </a:solidFill>
+          <a:latin typeface="+mn-lt"/>
+          <a:ea typeface="+mn-ea"/>
+          <a:cs typeface="+mn-cs"/>
+        </a:defRPr>
+      </a:lvl4pPr>
+      <a:lvl5pPr marL="2057400" indent="-228600" algn="l" defTabSz="914400" rtl="0" eaLnBrk="1" latinLnBrk="0" hangingPunct="1">
+        <a:spcBef>
+          <a:spcPct val="20000"/>
+        </a:spcBef>
+        <a:buFont typeface="Arial" panose="020B0604020202020204" pitchFamily="34" charset="0"/>
+        <a:buChar char="»"/>
+        <a:defRPr sz="2000" kern="1200">
+          <a:solidFill>
+            <a:schemeClr val="tx1"/>
+          </a:solidFill>
+          <a:latin typeface="+mn-lt"/>
+          <a:ea typeface="+mn-ea"/>
+          <a:cs typeface="+mn-cs"/>
+        </a:defRPr>
+      </a:lvl5pPr>
+      <a:lvl6pPr marL="2514600" indent="-228600" algn="l" defTabSz="914400" rtl="0" eaLnBrk="1" latinLnBrk="0" hangingPunct="1">
+        <a:spcBef>
+          <a:spcPct val="20000"/>
+        </a:spcBef>
+        <a:buFont typeface="Arial" panose="020B0604020202020204" pitchFamily="34" charset="0"/>
+        <a:buChar char="•"/>
+        <a:defRPr sz="2000" kern="1200">
+          <a:solidFill>
+            <a:schemeClr val="tx1"/>
+          </a:solidFill>
+          <a:latin typeface="+mn-lt"/>
+          <a:ea typeface="+mn-ea"/>
+          <a:cs typeface="+mn-cs"/>
+        </a:defRPr>
+      </a:lvl6pPr>
+      <a:lvl7pPr marL="2971800" indent="-228600" algn="l" defTabSz="914400" rtl="0" eaLnBrk="1" latinLnBrk="0" hangingPunct="1">
+        <a:spcBef>
+          <a:spcPct val="20000"/>
+        </a:spcBef>
+        <a:buFont typeface="Arial" panose="020B0604020202020204" pitchFamily="34" charset="0"/>
+        <a:buChar char="•"/>
+        <a:defRPr sz="2000" kern="1200">
+          <a:solidFill>
+            <a:schemeClr val="tx1"/>
+          </a:solidFill>
+          <a:latin typeface="+mn-lt"/>
+          <a:ea typeface="+mn-ea"/>
+          <a:cs typeface="+mn-cs"/>
+        </a:defRPr>
+      </a:lvl7pPr>
+      <a:lvl8pPr marL="3429000" indent="-228600" algn="l" defTabSz="914400" rtl="0" eaLnBrk="1" latinLnBrk="0" hangingPunct="1">
+        <a:spcBef>
+          <a:spcPct val="20000"/>
+        </a:spcBef>
+        <a:buFont typeface="Arial" panose="020B0604020202020204" pitchFamily="34" charset="0"/>
+        <a:buChar char="•"/>
+        <a:defRPr sz="2000" kern="1200">
+          <a:solidFill>
+            <a:schemeClr val="tx1"/>
+          </a:solidFill>
+          <a:latin typeface="+mn-lt"/>
+          <a:ea typeface="+mn-ea"/>
+          <a:cs typeface="+mn-cs"/>
+        </a:defRPr>
+      </a:lvl8pPr>
+      <a:lvl9pPr marL="3886200" indent="-228600" algn="l" defTabSz="914400" rtl="0" eaLnBrk="1" latinLnBrk="0" hangingPunct="1">
+        <a:spcBef>
+          <a:spcPct val="20000"/>
+        </a:spcBef>
+        <a:buFont typeface="Arial" panose="020B0604020202020204" pitchFamily="34" charset="0"/>
+        <a:buChar char="•"/>
+        <a:defRPr sz="2000" kern="1200">
+          <a:solidFill>
+            <a:schemeClr val="tx1"/>
+          </a:solidFill>
+          <a:latin typeface="+mn-lt"/>
+          <a:ea typeface="+mn-ea"/>
+          <a:cs typeface="+mn-cs"/>
+        </a:defRPr>
+      </a:lvl9pPr>
+    </p:bodyStyle>
+    <p:otherStyle>
+      <a:defPPr>
+        <a:defRPr lang="sv-SE"/>
+      </a:defPPr>
+      <a:lvl1pPr marL="0" algn="l" defTabSz="914400" rtl="0" eaLnBrk="1" latinLnBrk="0" hangingPunct="1">
+        <a:defRPr sz="1800" kern="1200">
+          <a:solidFill>
+            <a:schemeClr val="tx1"/>
+          </a:solidFill>
+          <a:latin typeface="+mn-lt"/>
+          <a:ea typeface="+mn-ea"/>
+          <a:cs typeface="+mn-cs"/>
+        </a:defRPr>
+      </a:lvl1pPr>
+      <a:lvl2pPr marL="457200" algn="l" defTabSz="914400" rtl="0" eaLnBrk="1" latinLnBrk="0" hangingPunct="1">
+        <a:defRPr sz="1800" kern="1200">
+          <a:solidFill>
+            <a:schemeClr val="tx1"/>
+          </a:solidFill>
+          <a:latin typeface="+mn-lt"/>
+          <a:ea typeface="+mn-ea"/>
+          <a:cs typeface="+mn-cs"/>
+        </a:defRPr>
+      </a:lvl2pPr>
+      <a:lvl3pPr marL="914400" algn="l" defTabSz="914400" rtl="0" eaLnBrk="1" latinLnBrk="0" hangingPunct="1">
+        <a:defRPr sz="1800" kern="1200">
+          <a:solidFill>
+            <a:schemeClr val="tx1"/>
+          </a:solidFill>
+          <a:latin typeface="+mn-lt"/>
+          <a:ea typeface="+mn-ea"/>
+          <a:cs typeface="+mn-cs"/>
+        </a:defRPr>
+      </a:lvl3pPr>
+      <a:lvl4pPr marL="1371600" algn="l" defTabSz="914400" rtl="0" eaLnBrk="1" latinLnBrk="0" hangingPunct="1">
+        <a:defRPr sz="1800" kern="1200">
+          <a:solidFill>
+            <a:schemeClr val="tx1"/>
+          </a:solidFill>
+          <a:latin typeface="+mn-lt"/>
+          <a:ea typeface="+mn-ea"/>
+          <a:cs typeface="+mn-cs"/>
+        </a:defRPr>
+      </a:lvl4pPr>
+      <a:lvl5pPr marL="1828800" algn="l" defTabSz="914400" rtl="0" eaLnBrk="1" latinLnBrk="0" hangingPunct="1">
+        <a:defRPr sz="1800" kern="1200">
+          <a:solidFill>
+            <a:schemeClr val="tx1"/>
+          </a:solidFill>
+          <a:latin typeface="+mn-lt"/>
+          <a:ea typeface="+mn-ea"/>
+          <a:cs typeface="+mn-cs"/>
+        </a:defRPr>
+      </a:lvl5pPr>
+      <a:lvl6pPr marL="2286000" algn="l" defTabSz="914400" rtl="0" eaLnBrk="1" latinLnBrk="0" hangingPunct="1">
+        <a:defRPr sz="1800" kern="1200">
+          <a:solidFill>
+            <a:schemeClr val="tx1"/>
+          </a:solidFill>
+          <a:latin typeface="+mn-lt"/>
+          <a:ea typeface="+mn-ea"/>
+          <a:cs typeface="+mn-cs"/>
+        </a:defRPr>
+      </a:lvl6pPr>
+      <a:lvl7pPr marL="2743200" algn="l" defTabSz="914400" rtl="0" eaLnBrk="1" latinLnBrk="0" hangingPunct="1">
+        <a:defRPr sz="1800" kern="1200">
+          <a:solidFill>
+            <a:schemeClr val="tx1"/>
+          </a:solidFill>
+          <a:latin typeface="+mn-lt"/>
+          <a:ea typeface="+mn-ea"/>
+          <a:cs typeface="+mn-cs"/>
+        </a:defRPr>
+      </a:lvl7pPr>
+      <a:lvl8pPr marL="3200400" algn="l" defTabSz="914400" rtl="0" eaLnBrk="1" latinLnBrk="0" hangingPunct="1">
+        <a:defRPr sz="1800" kern="1200">
+          <a:solidFill>
+            <a:schemeClr val="tx1"/>
+          </a:solidFill>
+          <a:latin typeface="+mn-lt"/>
+          <a:ea typeface="+mn-ea"/>
+          <a:cs typeface="+mn-cs"/>
+        </a:defRPr>
+      </a:lvl8pPr>
+      <a:lvl9pPr marL="3657600" algn="l" defTabSz="914400" rtl="0" eaLnBrk="1" latinLnBrk="0" hangingPunct="1">
+        <a:defRPr sz="1800" kern="1200">
+          <a:solidFill>
+            <a:schemeClr val="tx1"/>
+          </a:solidFill>
+          <a:latin typeface="+mn-lt"/>
+          <a:ea typeface="+mn-ea"/>
+          <a:cs typeface="+mn-cs"/>
+        </a:defRPr>
+      </a:lvl9pPr>
+    </p:otherStyle>
+  </p:txStyles>
+</p:sldMaster>
+</file>
+
 <file path=ppt/slides/slide1.xml><?xml version="1.0" encoding="utf-8"?>
 <p:sld xmlns:a="http://schemas.openxmlformats.org/drawingml/2006/main" xmlns:r="http://schemas.openxmlformats.org/officeDocument/2006/relationships" xmlns:p="http://schemas.openxmlformats.org/presentationml/2006/main">
   <p:cSld>
@@ -3001,10 +6401,6 @@
             <a:r>
               <a:rPr lang="sv-SE" sz="4000" b="1" dirty="0" smtClean="0"/>
               <a:t> </a:t>
-            </a:r>
-            <a:r>
-              <a:rPr lang="sv-SE" sz="4000" b="1" dirty="0" smtClean="0"/>
-              <a:t/>
             </a:r>
             <a:br>
               <a:rPr lang="sv-SE" sz="4000" b="1" dirty="0" smtClean="0"/>
@@ -4015,11 +7411,7 @@
             <a:pPr algn="ctr"/>
             <a:r>
               <a:rPr lang="sv-SE" sz="4800" b="1" dirty="0" smtClean="0"/>
-              <a:t>reqtbox/why:intentions </a:t>
-            </a:r>
-            <a:r>
-              <a:rPr lang="sv-SE" sz="4800" b="1" dirty="0" smtClean="0"/>
-              <a:t>? [gprc] </a:t>
+              <a:t>reqtbox/why:intentions ? [gprc] </a:t>
             </a:r>
             <a:endParaRPr lang="sv-SE" sz="3600" b="1" dirty="0"/>
           </a:p>
@@ -4512,11 +7904,7 @@
             <a:pPr algn="ctr"/>
             <a:r>
               <a:rPr lang="sv-SE" sz="4000" b="1" dirty="0" smtClean="0"/>
-              <a:t>reqtbox/what:requirements </a:t>
-            </a:r>
-            <a:r>
-              <a:rPr lang="sv-SE" sz="4000" b="1" dirty="0" smtClean="0"/>
-              <a:t>! [fdqt] </a:t>
+              <a:t>reqtbox/what:requirements ! [fdqt] </a:t>
             </a:r>
             <a:endParaRPr lang="sv-SE" sz="2800" b="1" dirty="0"/>
           </a:p>
@@ -4939,11 +8327,7 @@
             <a:pPr algn="ctr"/>
             <a:r>
               <a:rPr lang="sv-SE" sz="4800" b="1" dirty="0" smtClean="0"/>
-              <a:t>reqtbox/when:delivery </a:t>
-            </a:r>
-            <a:r>
-              <a:rPr lang="sv-SE" sz="4800" b="1" dirty="0" smtClean="0"/>
-              <a:t>@ [rrcr] </a:t>
+              <a:t>reqtbox/when:delivery @ [rrcr] </a:t>
             </a:r>
             <a:endParaRPr lang="sv-SE" sz="3600" b="1" dirty="0"/>
           </a:p>
@@ -5377,11 +8761,7 @@
             <a:pPr algn="ctr"/>
             <a:r>
               <a:rPr lang="sv-SE" sz="4000" b="1" dirty="0" smtClean="0"/>
-              <a:t>reqtbox</a:t>
-            </a:r>
-            <a:r>
-              <a:rPr lang="sv-SE" sz="4000" b="1" dirty="0" smtClean="0"/>
-              <a:t>/{who,why,what,when} </a:t>
+              <a:t>reqtbox/{who,why,what,when} </a:t>
             </a:r>
             <a:r>
               <a:rPr lang="en-SE" sz="4000" b="1" dirty="0" smtClean="0">
@@ -5975,6 +9355,611 @@
     <p:extLst>
       <p:ext uri="{BB962C8B-B14F-4D97-AF65-F5344CB8AC3E}">
         <p14:creationId xmlns:p14="http://schemas.microsoft.com/office/powerpoint/2010/main" val="471907084"/>
+      </p:ext>
+    </p:extLst>
+  </p:cSld>
+  <p:clrMapOvr>
+    <a:masterClrMapping/>
+  </p:clrMapOvr>
+  <p:timing>
+    <p:tnLst>
+      <p:par>
+        <p:cTn id="1" dur="indefinite" restart="never" nodeType="tmRoot"/>
+      </p:par>
+    </p:tnLst>
+  </p:timing>
+</p:sld>
+</file>
+
+<file path=ppt/slides/slide7.xml><?xml version="1.0" encoding="utf-8"?>
+<p:sld xmlns:a="http://schemas.openxmlformats.org/drawingml/2006/main" xmlns:r="http://schemas.openxmlformats.org/officeDocument/2006/relationships" xmlns:p="http://schemas.openxmlformats.org/presentationml/2006/main">
+  <p:cSld>
+    <p:spTree>
+      <p:nvGrpSpPr>
+        <p:cNvPr id="1" name=""/>
+        <p:cNvGrpSpPr/>
+        <p:nvPr/>
+      </p:nvGrpSpPr>
+      <p:grpSpPr>
+        <a:xfrm>
+          <a:off x="0" y="0"/>
+          <a:ext cx="0" cy="0"/>
+          <a:chOff x="0" y="0"/>
+          <a:chExt cx="0" cy="0"/>
+        </a:xfrm>
+      </p:grpSpPr>
+      <p:sp>
+        <p:nvSpPr>
+          <p:cNvPr id="2" name="Title 1"/>
+          <p:cNvSpPr>
+            <a:spLocks noGrp="1"/>
+          </p:cNvSpPr>
+          <p:nvPr>
+            <p:ph type="title"/>
+          </p:nvPr>
+        </p:nvSpPr>
+        <p:spPr/>
+        <p:txBody>
+          <a:bodyPr>
+            <a:noAutofit/>
+          </a:bodyPr>
+          <a:lstStyle/>
+          <a:p>
+            <a:pPr algn="ctr"/>
+            <a:r>
+              <a:rPr lang="sv-SE" sz="6000" b="1" dirty="0" smtClean="0"/>
+              <a:t>reqt process box</a:t>
+            </a:r>
+            <a:r>
+              <a:rPr lang="sv-SE" sz="4000" b="1" dirty="0" smtClean="0"/>
+              <a:t> </a:t>
+            </a:r>
+            <a:r>
+              <a:rPr lang="sv-SE" sz="4000" b="1" dirty="0" smtClean="0"/>
+              <a:t/>
+            </a:r>
+            <a:br>
+              <a:rPr lang="sv-SE" sz="4000" b="1" dirty="0" smtClean="0"/>
+            </a:br>
+            <a:r>
+              <a:rPr lang="sv-SE" sz="4000" b="1" dirty="0" smtClean="0"/>
+              <a:t>{learn, model, check, decide} </a:t>
+            </a:r>
+            <a:r>
+              <a:rPr lang="sv-SE" sz="4000" b="1" dirty="0" smtClean="0">
+                <a:sym typeface="Wingdings" panose="05000000000000000000" pitchFamily="2" charset="2"/>
+              </a:rPr>
+              <a:t>[esvs</a:t>
+            </a:r>
+            <a:r>
+              <a:rPr lang="sv-SE" sz="4000" b="1" dirty="0" smtClean="0"/>
+              <a:t>]</a:t>
+            </a:r>
+            <a:endParaRPr lang="sv-SE" sz="2800" b="1" dirty="0"/>
+          </a:p>
+        </p:txBody>
+      </p:sp>
+      <p:graphicFrame>
+        <p:nvGraphicFramePr>
+          <p:cNvPr id="4" name="Content Placeholder 3"/>
+          <p:cNvGraphicFramePr>
+            <a:graphicFrameLocks noGrp="1"/>
+          </p:cNvGraphicFramePr>
+          <p:nvPr>
+            <p:ph idx="1"/>
+            <p:extLst/>
+          </p:nvPr>
+        </p:nvGraphicFramePr>
+        <p:xfrm>
+          <a:off x="628648" y="1825625"/>
+          <a:ext cx="7798844" cy="4609874"/>
+        </p:xfrm>
+        <a:graphic>
+          <a:graphicData uri="http://schemas.openxmlformats.org/drawingml/2006/table">
+            <a:tbl>
+              <a:tblPr>
+                <a:tableStyleId>{5C22544A-7EE6-4342-B048-85BDC9FD1C3A}</a:tableStyleId>
+              </a:tblPr>
+              <a:tblGrid>
+                <a:gridCol w="3899422">
+                  <a:extLst>
+                    <a:ext uri="{9D8B030D-6E8A-4147-A177-3AD203B41FA5}">
+                      <a16:colId xmlns:a16="http://schemas.microsoft.com/office/drawing/2014/main" val="1322161285"/>
+                    </a:ext>
+                  </a:extLst>
+                </a:gridCol>
+                <a:gridCol w="3899422">
+                  <a:extLst>
+                    <a:ext uri="{9D8B030D-6E8A-4147-A177-3AD203B41FA5}">
+                      <a16:colId xmlns:a16="http://schemas.microsoft.com/office/drawing/2014/main" val="2173429013"/>
+                    </a:ext>
+                  </a:extLst>
+                </a:gridCol>
+              </a:tblGrid>
+              <a:tr h="2336942">
+                <a:tc>
+                  <a:txBody>
+                    <a:bodyPr/>
+                    <a:lstStyle/>
+                    <a:p>
+                      <a:r>
+                        <a:rPr lang="sv-SE" sz="3200" b="1" dirty="0" smtClean="0"/>
+                        <a:t>elicitation</a:t>
+                      </a:r>
+                      <a:r>
+                        <a:rPr lang="sv-SE" sz="3200" baseline="0" dirty="0" smtClean="0"/>
+                        <a:t> </a:t>
+                      </a:r>
+                      <a:r>
+                        <a:rPr lang="en-SE" sz="3200" baseline="0" dirty="0" smtClean="0"/>
+                        <a:t>–</a:t>
+                      </a:r>
+                      <a:r>
+                        <a:rPr lang="sv-SE" sz="3200" baseline="0" dirty="0" smtClean="0"/>
+                        <a:t> </a:t>
+                      </a:r>
+                      <a:r>
+                        <a:rPr lang="sv-SE" sz="3200" baseline="0" dirty="0" smtClean="0"/>
+                        <a:t>learn</a:t>
+                      </a:r>
+                    </a:p>
+                    <a:p>
+                      <a:r>
+                        <a:rPr lang="en-SE" sz="7200" b="1" dirty="0" smtClean="0">
+                          <a:latin typeface="Arial" panose="020B0604020202020204" pitchFamily="34" charset="0"/>
+                          <a:cs typeface="Arial" panose="020B0604020202020204" pitchFamily="34" charset="0"/>
+                          <a:sym typeface="Wingdings" panose="05000000000000000000" pitchFamily="2" charset="2"/>
+                        </a:rPr>
+                        <a:t>☼</a:t>
+                      </a:r>
+                      <a:endParaRPr lang="sv-SE" sz="7200" dirty="0"/>
+                    </a:p>
+                  </a:txBody>
+                  <a:tcPr>
+                    <a:lnL w="12700" cap="flat" cmpd="sng" algn="ctr">
+                      <a:solidFill>
+                        <a:schemeClr val="tx1"/>
+                      </a:solidFill>
+                      <a:prstDash val="solid"/>
+                      <a:round/>
+                      <a:headEnd type="none" w="med" len="med"/>
+                      <a:tailEnd type="none" w="med" len="med"/>
+                    </a:lnL>
+                    <a:lnR w="12700" cap="flat" cmpd="sng" algn="ctr">
+                      <a:solidFill>
+                        <a:schemeClr val="tx1"/>
+                      </a:solidFill>
+                      <a:prstDash val="solid"/>
+                      <a:round/>
+                      <a:headEnd type="none" w="med" len="med"/>
+                      <a:tailEnd type="none" w="med" len="med"/>
+                    </a:lnR>
+                    <a:lnT w="12700" cap="flat" cmpd="sng" algn="ctr">
+                      <a:solidFill>
+                        <a:schemeClr val="tx1"/>
+                      </a:solidFill>
+                      <a:prstDash val="solid"/>
+                      <a:round/>
+                      <a:headEnd type="none" w="med" len="med"/>
+                      <a:tailEnd type="none" w="med" len="med"/>
+                    </a:lnT>
+                    <a:lnB w="12700" cap="flat" cmpd="sng" algn="ctr">
+                      <a:solidFill>
+                        <a:schemeClr val="tx1"/>
+                      </a:solidFill>
+                      <a:prstDash val="solid"/>
+                      <a:round/>
+                      <a:headEnd type="none" w="med" len="med"/>
+                      <a:tailEnd type="none" w="med" len="med"/>
+                    </a:lnB>
+                  </a:tcPr>
+                </a:tc>
+                <a:tc>
+                  <a:txBody>
+                    <a:bodyPr/>
+                    <a:lstStyle/>
+                    <a:p>
+                      <a:r>
+                        <a:rPr lang="sv-SE" sz="3200" b="1" dirty="0" smtClean="0"/>
+                        <a:t>specification</a:t>
+                      </a:r>
+                      <a:r>
+                        <a:rPr lang="sv-SE" sz="3200" dirty="0" smtClean="0"/>
+                        <a:t> </a:t>
+                      </a:r>
+                      <a:r>
+                        <a:rPr lang="en-SE" sz="3200" dirty="0" smtClean="0"/>
+                        <a:t>–</a:t>
+                      </a:r>
+                      <a:r>
+                        <a:rPr lang="sv-SE" sz="3200" dirty="0" smtClean="0"/>
+                        <a:t> </a:t>
+                      </a:r>
+                      <a:r>
+                        <a:rPr lang="sv-SE" sz="3200" dirty="0" smtClean="0"/>
+                        <a:t>model</a:t>
+                      </a:r>
+                      <a:endParaRPr lang="sv-SE" sz="3200" dirty="0" smtClean="0"/>
+                    </a:p>
+                    <a:p>
+                      <a:pPr marL="0" marR="0" lvl="0" indent="0" algn="l" defTabSz="914400" rtl="0" eaLnBrk="1" fontAlgn="auto" latinLnBrk="0" hangingPunct="1">
+                        <a:lnSpc>
+                          <a:spcPct val="100000"/>
+                        </a:lnSpc>
+                        <a:spcBef>
+                          <a:spcPts val="0"/>
+                        </a:spcBef>
+                        <a:spcAft>
+                          <a:spcPts val="0"/>
+                        </a:spcAft>
+                        <a:buClrTx/>
+                        <a:buSzTx/>
+                        <a:buFontTx/>
+                        <a:buNone/>
+                        <a:tabLst/>
+                        <a:defRPr/>
+                      </a:pPr>
+                      <a:r>
+                        <a:rPr lang="en-SE" sz="7200" b="1" i="0" u="none" strike="noStrike" kern="1200" cap="none" dirty="0" smtClean="0">
+                          <a:ln>
+                            <a:noFill/>
+                          </a:ln>
+                          <a:solidFill>
+                            <a:schemeClr val="tx1"/>
+                          </a:solidFill>
+                          <a:latin typeface="Liberation Sans" pitchFamily="18"/>
+                          <a:ea typeface="Droid Sans Fallback" pitchFamily="2"/>
+                          <a:cs typeface="FreeSans" pitchFamily="2"/>
+                          <a:sym typeface="Wingdings" panose="05000000000000000000" pitchFamily="2" charset="2"/>
+                        </a:rPr>
+                        <a:t></a:t>
+                      </a:r>
+                      <a:endParaRPr lang="en-US" sz="7200" b="1" i="0" u="none" strike="noStrike" kern="1200" cap="none" dirty="0" smtClean="0">
+                        <a:ln>
+                          <a:noFill/>
+                        </a:ln>
+                        <a:solidFill>
+                          <a:schemeClr val="tx1"/>
+                        </a:solidFill>
+                        <a:latin typeface="Liberation Sans" pitchFamily="18"/>
+                        <a:ea typeface="Droid Sans Fallback" pitchFamily="2"/>
+                        <a:cs typeface="FreeSans" pitchFamily="2"/>
+                      </a:endParaRPr>
+                    </a:p>
+                  </a:txBody>
+                  <a:tcPr>
+                    <a:lnL w="12700" cap="flat" cmpd="sng" algn="ctr">
+                      <a:solidFill>
+                        <a:schemeClr val="tx1"/>
+                      </a:solidFill>
+                      <a:prstDash val="solid"/>
+                      <a:round/>
+                      <a:headEnd type="none" w="med" len="med"/>
+                      <a:tailEnd type="none" w="med" len="med"/>
+                    </a:lnL>
+                    <a:lnR w="12700" cap="flat" cmpd="sng" algn="ctr">
+                      <a:solidFill>
+                        <a:schemeClr val="tx1"/>
+                      </a:solidFill>
+                      <a:prstDash val="solid"/>
+                      <a:round/>
+                      <a:headEnd type="none" w="med" len="med"/>
+                      <a:tailEnd type="none" w="med" len="med"/>
+                    </a:lnR>
+                    <a:lnT w="12700" cap="flat" cmpd="sng" algn="ctr">
+                      <a:solidFill>
+                        <a:schemeClr val="tx1"/>
+                      </a:solidFill>
+                      <a:prstDash val="solid"/>
+                      <a:round/>
+                      <a:headEnd type="none" w="med" len="med"/>
+                      <a:tailEnd type="none" w="med" len="med"/>
+                    </a:lnT>
+                    <a:lnB w="12700" cap="flat" cmpd="sng" algn="ctr">
+                      <a:solidFill>
+                        <a:schemeClr val="tx1"/>
+                      </a:solidFill>
+                      <a:prstDash val="solid"/>
+                      <a:round/>
+                      <a:headEnd type="none" w="med" len="med"/>
+                      <a:tailEnd type="none" w="med" len="med"/>
+                    </a:lnB>
+                  </a:tcPr>
+                </a:tc>
+                <a:extLst>
+                  <a:ext uri="{0D108BD9-81ED-4DB2-BD59-A6C34878D82A}">
+                    <a16:rowId xmlns:a16="http://schemas.microsoft.com/office/drawing/2014/main" val="4074508595"/>
+                  </a:ext>
+                </a:extLst>
+              </a:tr>
+              <a:tr h="2272932">
+                <a:tc>
+                  <a:txBody>
+                    <a:bodyPr/>
+                    <a:lstStyle/>
+                    <a:p>
+                      <a:r>
+                        <a:rPr lang="sv-SE" sz="3200" b="1" dirty="0" smtClean="0"/>
+                        <a:t>validation</a:t>
+                      </a:r>
+                      <a:r>
+                        <a:rPr lang="sv-SE" sz="3200" baseline="0" dirty="0" smtClean="0"/>
+                        <a:t> </a:t>
+                      </a:r>
+                      <a:r>
+                        <a:rPr lang="en-SE" sz="3200" baseline="0" dirty="0" smtClean="0"/>
+                        <a:t>–</a:t>
+                      </a:r>
+                      <a:r>
+                        <a:rPr lang="sv-SE" sz="3200" baseline="0" dirty="0" smtClean="0"/>
+                        <a:t> </a:t>
+                      </a:r>
+                      <a:r>
+                        <a:rPr lang="sv-SE" sz="3200" baseline="0" dirty="0" smtClean="0"/>
+                        <a:t>check</a:t>
+                      </a:r>
+                      <a:endParaRPr lang="sv-SE" sz="3200" baseline="0" dirty="0" smtClean="0"/>
+                    </a:p>
+                    <a:p>
+                      <a:pPr marL="0" marR="0" lvl="0" indent="0" algn="l" defTabSz="914400" rtl="0" eaLnBrk="1" fontAlgn="auto" latinLnBrk="0" hangingPunct="0">
+                        <a:lnSpc>
+                          <a:spcPct val="100000"/>
+                        </a:lnSpc>
+                        <a:spcBef>
+                          <a:spcPts val="0"/>
+                        </a:spcBef>
+                        <a:spcAft>
+                          <a:spcPts val="0"/>
+                        </a:spcAft>
+                        <a:buClrTx/>
+                        <a:buSzTx/>
+                        <a:buFontTx/>
+                        <a:buNone/>
+                        <a:tabLst/>
+                        <a:defRPr lang="en-US"/>
+                      </a:pPr>
+                      <a:r>
+                        <a:rPr lang="en-SE" sz="7200" b="0" dirty="0" smtClean="0">
+                          <a:latin typeface="Calibri" panose="020F0502020204030204" pitchFamily="34" charset="0"/>
+                          <a:cs typeface="Calibri" panose="020F0502020204030204" pitchFamily="34" charset="0"/>
+                          <a:sym typeface="Wingdings" panose="05000000000000000000" pitchFamily="2" charset="2"/>
+                        </a:rPr>
+                        <a:t>√</a:t>
+                      </a:r>
+                      <a:endParaRPr kumimoji="0" lang="en-US" sz="7200" b="0" i="0" u="none" strike="noStrike" kern="1200" cap="none" spc="0" normalizeH="0" baseline="0" noProof="0" dirty="0" smtClean="0">
+                        <a:ln>
+                          <a:noFill/>
+                        </a:ln>
+                        <a:solidFill>
+                          <a:srgbClr val="808080"/>
+                        </a:solidFill>
+                        <a:effectLst/>
+                        <a:uLnTx/>
+                        <a:uFillTx/>
+                        <a:latin typeface="Liberation Sans" pitchFamily="18"/>
+                        <a:ea typeface="Droid Sans Fallback" pitchFamily="2"/>
+                        <a:cs typeface="FreeSans" pitchFamily="2"/>
+                      </a:endParaRPr>
+                    </a:p>
+                  </a:txBody>
+                  <a:tcPr>
+                    <a:lnL w="12700" cap="flat" cmpd="sng" algn="ctr">
+                      <a:solidFill>
+                        <a:schemeClr val="tx1"/>
+                      </a:solidFill>
+                      <a:prstDash val="solid"/>
+                      <a:round/>
+                      <a:headEnd type="none" w="med" len="med"/>
+                      <a:tailEnd type="none" w="med" len="med"/>
+                    </a:lnL>
+                    <a:lnR w="12700" cap="flat" cmpd="sng" algn="ctr">
+                      <a:solidFill>
+                        <a:schemeClr val="tx1"/>
+                      </a:solidFill>
+                      <a:prstDash val="solid"/>
+                      <a:round/>
+                      <a:headEnd type="none" w="med" len="med"/>
+                      <a:tailEnd type="none" w="med" len="med"/>
+                    </a:lnR>
+                    <a:lnT w="12700" cap="flat" cmpd="sng" algn="ctr">
+                      <a:solidFill>
+                        <a:schemeClr val="tx1"/>
+                      </a:solidFill>
+                      <a:prstDash val="solid"/>
+                      <a:round/>
+                      <a:headEnd type="none" w="med" len="med"/>
+                      <a:tailEnd type="none" w="med" len="med"/>
+                    </a:lnT>
+                    <a:lnB w="12700" cap="flat" cmpd="sng" algn="ctr">
+                      <a:solidFill>
+                        <a:schemeClr val="tx1"/>
+                      </a:solidFill>
+                      <a:prstDash val="solid"/>
+                      <a:round/>
+                      <a:headEnd type="none" w="med" len="med"/>
+                      <a:tailEnd type="none" w="med" len="med"/>
+                    </a:lnB>
+                  </a:tcPr>
+                </a:tc>
+                <a:tc>
+                  <a:txBody>
+                    <a:bodyPr/>
+                    <a:lstStyle/>
+                    <a:p>
+                      <a:r>
+                        <a:rPr lang="sv-SE" sz="3200" b="1" dirty="0" smtClean="0"/>
+                        <a:t>selection</a:t>
+                      </a:r>
+                      <a:r>
+                        <a:rPr lang="sv-SE" sz="3200" dirty="0" smtClean="0"/>
+                        <a:t> </a:t>
+                      </a:r>
+                      <a:r>
+                        <a:rPr lang="en-SE" sz="3200" dirty="0" smtClean="0"/>
+                        <a:t>–</a:t>
+                      </a:r>
+                      <a:r>
+                        <a:rPr lang="sv-SE" sz="3200" dirty="0" smtClean="0"/>
+                        <a:t> </a:t>
+                      </a:r>
+                      <a:r>
+                        <a:rPr lang="sv-SE" sz="3200" dirty="0" smtClean="0"/>
+                        <a:t>decide</a:t>
+                      </a:r>
+                      <a:endParaRPr lang="sv-SE" sz="3200" dirty="0" smtClean="0"/>
+                    </a:p>
+                    <a:p>
+                      <a:pPr marL="0" marR="0" lvl="0" indent="0" algn="l" defTabSz="914400" rtl="0" eaLnBrk="1" fontAlgn="auto" latinLnBrk="0" hangingPunct="0">
+                        <a:lnSpc>
+                          <a:spcPct val="100000"/>
+                        </a:lnSpc>
+                        <a:spcBef>
+                          <a:spcPts val="0"/>
+                        </a:spcBef>
+                        <a:spcAft>
+                          <a:spcPts val="0"/>
+                        </a:spcAft>
+                        <a:buClrTx/>
+                        <a:buSzTx/>
+                        <a:buFontTx/>
+                        <a:buNone/>
+                        <a:tabLst/>
+                        <a:defRPr lang="en-US"/>
+                      </a:pPr>
+                      <a:r>
+                        <a:rPr lang="en-SE" sz="7200" b="1" dirty="0" smtClean="0">
+                          <a:sym typeface="Wingdings" panose="05000000000000000000" pitchFamily="2" charset="2"/>
+                        </a:rPr>
+                        <a:t></a:t>
+                      </a:r>
+                      <a:endParaRPr kumimoji="0" lang="en-US" sz="7200" b="1" i="0" u="none" strike="noStrike" kern="1200" cap="none" spc="0" normalizeH="0" baseline="0" noProof="0" dirty="0" smtClean="0">
+                        <a:ln>
+                          <a:noFill/>
+                        </a:ln>
+                        <a:solidFill>
+                          <a:srgbClr val="999999"/>
+                        </a:solidFill>
+                        <a:effectLst/>
+                        <a:uLnTx/>
+                        <a:uFillTx/>
+                        <a:latin typeface="Liberation Sans" pitchFamily="34"/>
+                        <a:ea typeface="Liberation Sans" pitchFamily="34"/>
+                        <a:cs typeface="Liberation Sans" pitchFamily="34"/>
+                      </a:endParaRPr>
+                    </a:p>
+                  </a:txBody>
+                  <a:tcPr>
+                    <a:lnL w="12700" cap="flat" cmpd="sng" algn="ctr">
+                      <a:solidFill>
+                        <a:schemeClr val="tx1"/>
+                      </a:solidFill>
+                      <a:prstDash val="solid"/>
+                      <a:round/>
+                      <a:headEnd type="none" w="med" len="med"/>
+                      <a:tailEnd type="none" w="med" len="med"/>
+                    </a:lnL>
+                    <a:lnR w="12700" cap="flat" cmpd="sng" algn="ctr">
+                      <a:solidFill>
+                        <a:schemeClr val="tx1"/>
+                      </a:solidFill>
+                      <a:prstDash val="solid"/>
+                      <a:round/>
+                      <a:headEnd type="none" w="med" len="med"/>
+                      <a:tailEnd type="none" w="med" len="med"/>
+                    </a:lnR>
+                    <a:lnT w="12700" cap="flat" cmpd="sng" algn="ctr">
+                      <a:solidFill>
+                        <a:schemeClr val="tx1"/>
+                      </a:solidFill>
+                      <a:prstDash val="solid"/>
+                      <a:round/>
+                      <a:headEnd type="none" w="med" len="med"/>
+                      <a:tailEnd type="none" w="med" len="med"/>
+                    </a:lnT>
+                    <a:lnB w="12700" cap="flat" cmpd="sng" algn="ctr">
+                      <a:solidFill>
+                        <a:schemeClr val="tx1"/>
+                      </a:solidFill>
+                      <a:prstDash val="solid"/>
+                      <a:round/>
+                      <a:headEnd type="none" w="med" len="med"/>
+                      <a:tailEnd type="none" w="med" len="med"/>
+                    </a:lnB>
+                  </a:tcPr>
+                </a:tc>
+                <a:extLst>
+                  <a:ext uri="{0D108BD9-81ED-4DB2-BD59-A6C34878D82A}">
+                    <a16:rowId xmlns:a16="http://schemas.microsoft.com/office/drawing/2014/main" val="2573727498"/>
+                  </a:ext>
+                </a:extLst>
+              </a:tr>
+            </a:tbl>
+          </a:graphicData>
+        </a:graphic>
+      </p:graphicFrame>
+      <p:sp>
+        <p:nvSpPr>
+          <p:cNvPr id="5" name="TextBox 4"/>
+          <p:cNvSpPr txBox="1"/>
+          <p:nvPr/>
+        </p:nvSpPr>
+        <p:spPr>
+          <a:xfrm>
+            <a:off x="2100257" y="6496153"/>
+            <a:ext cx="4855625" cy="307777"/>
+          </a:xfrm>
+          <a:prstGeom prst="rect">
+            <a:avLst/>
+          </a:prstGeom>
+          <a:noFill/>
+        </p:spPr>
+        <p:txBody>
+          <a:bodyPr wrap="none" rtlCol="0">
+            <a:spAutoFit/>
+          </a:bodyPr>
+          <a:lstStyle/>
+          <a:p>
+            <a:pPr marL="0" marR="0" lvl="0" indent="0" algn="l" defTabSz="914400" rtl="0" eaLnBrk="0" fontAlgn="base" latinLnBrk="0" hangingPunct="0">
+              <a:lnSpc>
+                <a:spcPct val="100000"/>
+              </a:lnSpc>
+              <a:spcBef>
+                <a:spcPct val="0"/>
+              </a:spcBef>
+              <a:spcAft>
+                <a:spcPct val="0"/>
+              </a:spcAft>
+              <a:buClrTx/>
+              <a:buSzTx/>
+              <a:buFontTx/>
+              <a:buNone/>
+              <a:tabLst/>
+              <a:defRPr/>
+            </a:pPr>
+            <a:r>
+              <a:rPr kumimoji="0" lang="sv-SE" sz="1400" b="0" i="0" u="none" strike="noStrike" kern="1200" cap="none" spc="0" normalizeH="0" baseline="0" noProof="0" dirty="0">
+                <a:ln>
+                  <a:noFill/>
+                </a:ln>
+                <a:solidFill>
+                  <a:prstClr val="black"/>
+                </a:solidFill>
+                <a:effectLst/>
+                <a:uLnTx/>
+                <a:uFillTx/>
+                <a:latin typeface="Arial" charset="0"/>
+                <a:ea typeface="+mn-ea"/>
+                <a:cs typeface="+mn-cs"/>
+              </a:rPr>
+              <a:t>https://github.com/lunduniversity/reqeng/tree/master/reqtbox</a:t>
+            </a:r>
+          </a:p>
+        </p:txBody>
+      </p:sp>
+    </p:spTree>
+    <p:extLst>
+      <p:ext uri="{BB962C8B-B14F-4D97-AF65-F5344CB8AC3E}">
+        <p14:creationId xmlns:p14="http://schemas.microsoft.com/office/powerpoint/2010/main" val="3655418217"/>
       </p:ext>
     </p:extLst>
   </p:cSld>
@@ -6250,4 +10235,289 @@
     </a:ext>
   </a:extLst>
 </a:theme>
+</file>
+
+<file path=ppt/theme/theme2.xml><?xml version="1.0" encoding="utf-8"?>
+<a:theme xmlns:a="http://schemas.openxmlformats.org/drawingml/2006/main" name="1_Office Theme">
+  <a:themeElements>
+    <a:clrScheme name="Office">
+      <a:dk1>
+        <a:sysClr val="windowText" lastClr="000000"/>
+      </a:dk1>
+      <a:lt1>
+        <a:sysClr val="window" lastClr="FFFFFF"/>
+      </a:lt1>
+      <a:dk2>
+        <a:srgbClr val="1F497D"/>
+      </a:dk2>
+      <a:lt2>
+        <a:srgbClr val="EEECE1"/>
+      </a:lt2>
+      <a:accent1>
+        <a:srgbClr val="4F81BD"/>
+      </a:accent1>
+      <a:accent2>
+        <a:srgbClr val="C0504D"/>
+      </a:accent2>
+      <a:accent3>
+        <a:srgbClr val="9BBB59"/>
+      </a:accent3>
+      <a:accent4>
+        <a:srgbClr val="8064A2"/>
+      </a:accent4>
+      <a:accent5>
+        <a:srgbClr val="4BACC6"/>
+      </a:accent5>
+      <a:accent6>
+        <a:srgbClr val="F79646"/>
+      </a:accent6>
+      <a:hlink>
+        <a:srgbClr val="0000FF"/>
+      </a:hlink>
+      <a:folHlink>
+        <a:srgbClr val="800080"/>
+      </a:folHlink>
+    </a:clrScheme>
+    <a:fontScheme name="Office">
+      <a:majorFont>
+        <a:latin typeface="Calibri"/>
+        <a:ea typeface=""/>
+        <a:cs typeface=""/>
+        <a:font script="Jpan" typeface="ＭＳ Ｐゴシック"/>
+        <a:font script="Hang" typeface="맑은 고딕"/>
+        <a:font script="Hans" typeface="宋体"/>
+        <a:font script="Hant" typeface="新細明體"/>
+        <a:font script="Arab" typeface="Times New Roman"/>
+        <a:font script="Hebr" typeface="Times New Roman"/>
+        <a:font script="Thai" typeface="Angsana New"/>
+        <a:font script="Ethi" typeface="Nyala"/>
+        <a:font script="Beng" typeface="Vrinda"/>
+        <a:font script="Gujr" typeface="Shruti"/>
+        <a:font script="Khmr" typeface="MoolBoran"/>
+        <a:font script="Knda" typeface="Tunga"/>
+        <a:font script="Guru" typeface="Raavi"/>
+        <a:font script="Cans" typeface="Euphemia"/>
+        <a:font script="Cher" typeface="Plantagenet Cherokee"/>
+        <a:font script="Yiii" typeface="Microsoft Yi Baiti"/>
+        <a:font script="Tibt" typeface="Microsoft Himalaya"/>
+        <a:font script="Thaa" typeface="MV Boli"/>
+        <a:font script="Deva" typeface="Mangal"/>
+        <a:font script="Telu" typeface="Gautami"/>
+        <a:font script="Taml" typeface="Latha"/>
+        <a:font script="Syrc" typeface="Estrangelo Edessa"/>
+        <a:font script="Orya" typeface="Kalinga"/>
+        <a:font script="Mlym" typeface="Kartika"/>
+        <a:font script="Laoo" typeface="DokChampa"/>
+        <a:font script="Sinh" typeface="Iskoola Pota"/>
+        <a:font script="Mong" typeface="Mongolian Baiti"/>
+        <a:font script="Viet" typeface="Times New Roman"/>
+        <a:font script="Uigh" typeface="Microsoft Uighur"/>
+        <a:font script="Geor" typeface="Sylfaen"/>
+      </a:majorFont>
+      <a:minorFont>
+        <a:latin typeface="Calibri"/>
+        <a:ea typeface=""/>
+        <a:cs typeface=""/>
+        <a:font script="Jpan" typeface="ＭＳ Ｐゴシック"/>
+        <a:font script="Hang" typeface="맑은 고딕"/>
+        <a:font script="Hans" typeface="宋体"/>
+        <a:font script="Hant" typeface="新細明體"/>
+        <a:font script="Arab" typeface="Arial"/>
+        <a:font script="Hebr" typeface="Arial"/>
+        <a:font script="Thai" typeface="Cordia New"/>
+        <a:font script="Ethi" typeface="Nyala"/>
+        <a:font script="Beng" typeface="Vrinda"/>
+        <a:font script="Gujr" typeface="Shruti"/>
+        <a:font script="Khmr" typeface="DaunPenh"/>
+        <a:font script="Knda" typeface="Tunga"/>
+        <a:font script="Guru" typeface="Raavi"/>
+        <a:font script="Cans" typeface="Euphemia"/>
+        <a:font script="Cher" typeface="Plantagenet Cherokee"/>
+        <a:font script="Yiii" typeface="Microsoft Yi Baiti"/>
+        <a:font script="Tibt" typeface="Microsoft Himalaya"/>
+        <a:font script="Thaa" typeface="MV Boli"/>
+        <a:font script="Deva" typeface="Mangal"/>
+        <a:font script="Telu" typeface="Gautami"/>
+        <a:font script="Taml" typeface="Latha"/>
+        <a:font script="Syrc" typeface="Estrangelo Edessa"/>
+        <a:font script="Orya" typeface="Kalinga"/>
+        <a:font script="Mlym" typeface="Kartika"/>
+        <a:font script="Laoo" typeface="DokChampa"/>
+        <a:font script="Sinh" typeface="Iskoola Pota"/>
+        <a:font script="Mong" typeface="Mongolian Baiti"/>
+        <a:font script="Viet" typeface="Arial"/>
+        <a:font script="Uigh" typeface="Microsoft Uighur"/>
+        <a:font script="Geor" typeface="Sylfaen"/>
+      </a:minorFont>
+    </a:fontScheme>
+    <a:fmtScheme name="Office">
+      <a:fillStyleLst>
+        <a:solidFill>
+          <a:schemeClr val="phClr"/>
+        </a:solidFill>
+        <a:gradFill rotWithShape="1">
+          <a:gsLst>
+            <a:gs pos="0">
+              <a:schemeClr val="phClr">
+                <a:tint val="50000"/>
+                <a:satMod val="300000"/>
+              </a:schemeClr>
+            </a:gs>
+            <a:gs pos="35000">
+              <a:schemeClr val="phClr">
+                <a:tint val="37000"/>
+                <a:satMod val="300000"/>
+              </a:schemeClr>
+            </a:gs>
+            <a:gs pos="100000">
+              <a:schemeClr val="phClr">
+                <a:tint val="15000"/>
+                <a:satMod val="350000"/>
+              </a:schemeClr>
+            </a:gs>
+          </a:gsLst>
+          <a:lin ang="16200000" scaled="1"/>
+        </a:gradFill>
+        <a:gradFill rotWithShape="1">
+          <a:gsLst>
+            <a:gs pos="0">
+              <a:schemeClr val="phClr">
+                <a:shade val="51000"/>
+                <a:satMod val="130000"/>
+              </a:schemeClr>
+            </a:gs>
+            <a:gs pos="80000">
+              <a:schemeClr val="phClr">
+                <a:shade val="93000"/>
+                <a:satMod val="130000"/>
+              </a:schemeClr>
+            </a:gs>
+            <a:gs pos="100000">
+              <a:schemeClr val="phClr">
+                <a:shade val="94000"/>
+                <a:satMod val="135000"/>
+              </a:schemeClr>
+            </a:gs>
+          </a:gsLst>
+          <a:lin ang="16200000" scaled="0"/>
+        </a:gradFill>
+      </a:fillStyleLst>
+      <a:lnStyleLst>
+        <a:ln w="9525" cap="flat" cmpd="sng" algn="ctr">
+          <a:solidFill>
+            <a:schemeClr val="phClr">
+              <a:shade val="95000"/>
+              <a:satMod val="105000"/>
+            </a:schemeClr>
+          </a:solidFill>
+          <a:prstDash val="solid"/>
+        </a:ln>
+        <a:ln w="25400" cap="flat" cmpd="sng" algn="ctr">
+          <a:solidFill>
+            <a:schemeClr val="phClr"/>
+          </a:solidFill>
+          <a:prstDash val="solid"/>
+        </a:ln>
+        <a:ln w="38100" cap="flat" cmpd="sng" algn="ctr">
+          <a:solidFill>
+            <a:schemeClr val="phClr"/>
+          </a:solidFill>
+          <a:prstDash val="solid"/>
+        </a:ln>
+      </a:lnStyleLst>
+      <a:effectStyleLst>
+        <a:effectStyle>
+          <a:effectLst>
+            <a:outerShdw blurRad="40000" dist="20000" dir="5400000" rotWithShape="0">
+              <a:srgbClr val="000000">
+                <a:alpha val="38000"/>
+              </a:srgbClr>
+            </a:outerShdw>
+          </a:effectLst>
+        </a:effectStyle>
+        <a:effectStyle>
+          <a:effectLst>
+            <a:outerShdw blurRad="40000" dist="23000" dir="5400000" rotWithShape="0">
+              <a:srgbClr val="000000">
+                <a:alpha val="35000"/>
+              </a:srgbClr>
+            </a:outerShdw>
+          </a:effectLst>
+        </a:effectStyle>
+        <a:effectStyle>
+          <a:effectLst>
+            <a:outerShdw blurRad="40000" dist="23000" dir="5400000" rotWithShape="0">
+              <a:srgbClr val="000000">
+                <a:alpha val="35000"/>
+              </a:srgbClr>
+            </a:outerShdw>
+          </a:effectLst>
+          <a:scene3d>
+            <a:camera prst="orthographicFront">
+              <a:rot lat="0" lon="0" rev="0"/>
+            </a:camera>
+            <a:lightRig rig="threePt" dir="t">
+              <a:rot lat="0" lon="0" rev="1200000"/>
+            </a:lightRig>
+          </a:scene3d>
+          <a:sp3d>
+            <a:bevelT w="63500" h="25400"/>
+          </a:sp3d>
+        </a:effectStyle>
+      </a:effectStyleLst>
+      <a:bgFillStyleLst>
+        <a:solidFill>
+          <a:schemeClr val="phClr"/>
+        </a:solidFill>
+        <a:gradFill rotWithShape="1">
+          <a:gsLst>
+            <a:gs pos="0">
+              <a:schemeClr val="phClr">
+                <a:tint val="40000"/>
+                <a:satMod val="350000"/>
+              </a:schemeClr>
+            </a:gs>
+            <a:gs pos="40000">
+              <a:schemeClr val="phClr">
+                <a:tint val="45000"/>
+                <a:shade val="99000"/>
+                <a:satMod val="350000"/>
+              </a:schemeClr>
+            </a:gs>
+            <a:gs pos="100000">
+              <a:schemeClr val="phClr">
+                <a:shade val="20000"/>
+                <a:satMod val="255000"/>
+              </a:schemeClr>
+            </a:gs>
+          </a:gsLst>
+          <a:path path="circle">
+            <a:fillToRect l="50000" t="-80000" r="50000" b="180000"/>
+          </a:path>
+        </a:gradFill>
+        <a:gradFill rotWithShape="1">
+          <a:gsLst>
+            <a:gs pos="0">
+              <a:schemeClr val="phClr">
+                <a:tint val="80000"/>
+                <a:satMod val="300000"/>
+              </a:schemeClr>
+            </a:gs>
+            <a:gs pos="100000">
+              <a:schemeClr val="phClr">
+                <a:shade val="30000"/>
+                <a:satMod val="200000"/>
+              </a:schemeClr>
+            </a:gs>
+          </a:gsLst>
+          <a:path path="circle">
+            <a:fillToRect l="50000" t="50000" r="50000" b="50000"/>
+          </a:path>
+        </a:gradFill>
+      </a:bgFillStyleLst>
+    </a:fmtScheme>
+  </a:themeElements>
+  <a:objectDefaults/>
+  <a:extraClrSchemeLst/>
+</a:theme>
 </file>